--- a/data_formatting.pptx
+++ b/data_formatting.pptx
@@ -5,35 +5,35 @@
     <p:sldMasterId id="2147483648" r:id="rId1"/>
   </p:sldMasterIdLst>
   <p:sldIdLst>
-    <p:sldId id="295" r:id="rId2"/>
-    <p:sldId id="258" r:id="rId3"/>
-    <p:sldId id="259" r:id="rId4"/>
-    <p:sldId id="260" r:id="rId5"/>
-    <p:sldId id="261" r:id="rId6"/>
-    <p:sldId id="263" r:id="rId7"/>
-    <p:sldId id="285" r:id="rId8"/>
-    <p:sldId id="286" r:id="rId9"/>
-    <p:sldId id="292" r:id="rId10"/>
-    <p:sldId id="290" r:id="rId11"/>
-    <p:sldId id="291" r:id="rId12"/>
-    <p:sldId id="270" r:id="rId13"/>
-    <p:sldId id="266" r:id="rId14"/>
-    <p:sldId id="271" r:id="rId15"/>
-    <p:sldId id="272" r:id="rId16"/>
-    <p:sldId id="273" r:id="rId17"/>
-    <p:sldId id="269" r:id="rId18"/>
-    <p:sldId id="274" r:id="rId19"/>
-    <p:sldId id="275" r:id="rId20"/>
-    <p:sldId id="277" r:id="rId21"/>
-    <p:sldId id="278" r:id="rId22"/>
-    <p:sldId id="279" r:id="rId23"/>
-    <p:sldId id="280" r:id="rId24"/>
-    <p:sldId id="283" r:id="rId25"/>
-    <p:sldId id="281" r:id="rId26"/>
-    <p:sldId id="294" r:id="rId27"/>
-    <p:sldId id="289" r:id="rId28"/>
-    <p:sldId id="293" r:id="rId29"/>
-    <p:sldId id="287" r:id="rId30"/>
+    <p:sldId id="258" r:id="rId2"/>
+    <p:sldId id="259" r:id="rId3"/>
+    <p:sldId id="260" r:id="rId4"/>
+    <p:sldId id="261" r:id="rId5"/>
+    <p:sldId id="263" r:id="rId6"/>
+    <p:sldId id="285" r:id="rId7"/>
+    <p:sldId id="286" r:id="rId8"/>
+    <p:sldId id="292" r:id="rId9"/>
+    <p:sldId id="290" r:id="rId10"/>
+    <p:sldId id="291" r:id="rId11"/>
+    <p:sldId id="270" r:id="rId12"/>
+    <p:sldId id="266" r:id="rId13"/>
+    <p:sldId id="271" r:id="rId14"/>
+    <p:sldId id="272" r:id="rId15"/>
+    <p:sldId id="273" r:id="rId16"/>
+    <p:sldId id="269" r:id="rId17"/>
+    <p:sldId id="274" r:id="rId18"/>
+    <p:sldId id="275" r:id="rId19"/>
+    <p:sldId id="277" r:id="rId20"/>
+    <p:sldId id="278" r:id="rId21"/>
+    <p:sldId id="279" r:id="rId22"/>
+    <p:sldId id="280" r:id="rId23"/>
+    <p:sldId id="283" r:id="rId24"/>
+    <p:sldId id="281" r:id="rId25"/>
+    <p:sldId id="294" r:id="rId26"/>
+    <p:sldId id="289" r:id="rId27"/>
+    <p:sldId id="293" r:id="rId28"/>
+    <p:sldId id="287" r:id="rId29"/>
+    <p:sldId id="298" r:id="rId30"/>
     <p:sldId id="296" r:id="rId31"/>
     <p:sldId id="297" r:id="rId32"/>
   </p:sldIdLst>
@@ -289,7 +289,7 @@
           <a:p>
             <a:fld id="{1886E3E4-BBB0-9841-947E-52D7BC216E92}" type="datetimeFigureOut">
               <a:rPr lang="en-US" smtClean="0"/>
-              <a:t>2/14/19</a:t>
+              <a:t>11/27/19</a:t>
             </a:fld>
             <a:endParaRPr lang="en-US"/>
           </a:p>
@@ -487,7 +487,7 @@
           <a:p>
             <a:fld id="{1886E3E4-BBB0-9841-947E-52D7BC216E92}" type="datetimeFigureOut">
               <a:rPr lang="en-US" smtClean="0"/>
-              <a:t>2/14/19</a:t>
+              <a:t>11/27/19</a:t>
             </a:fld>
             <a:endParaRPr lang="en-US"/>
           </a:p>
@@ -695,7 +695,7 @@
           <a:p>
             <a:fld id="{1886E3E4-BBB0-9841-947E-52D7BC216E92}" type="datetimeFigureOut">
               <a:rPr lang="en-US" smtClean="0"/>
-              <a:t>2/14/19</a:t>
+              <a:t>11/27/19</a:t>
             </a:fld>
             <a:endParaRPr lang="en-US"/>
           </a:p>
@@ -893,7 +893,7 @@
           <a:p>
             <a:fld id="{1886E3E4-BBB0-9841-947E-52D7BC216E92}" type="datetimeFigureOut">
               <a:rPr lang="en-US" smtClean="0"/>
-              <a:t>2/14/19</a:t>
+              <a:t>11/27/19</a:t>
             </a:fld>
             <a:endParaRPr lang="en-US"/>
           </a:p>
@@ -1168,7 +1168,7 @@
           <a:p>
             <a:fld id="{1886E3E4-BBB0-9841-947E-52D7BC216E92}" type="datetimeFigureOut">
               <a:rPr lang="en-US" smtClean="0"/>
-              <a:t>2/14/19</a:t>
+              <a:t>11/27/19</a:t>
             </a:fld>
             <a:endParaRPr lang="en-US"/>
           </a:p>
@@ -1433,7 +1433,7 @@
           <a:p>
             <a:fld id="{1886E3E4-BBB0-9841-947E-52D7BC216E92}" type="datetimeFigureOut">
               <a:rPr lang="en-US" smtClean="0"/>
-              <a:t>2/14/19</a:t>
+              <a:t>11/27/19</a:t>
             </a:fld>
             <a:endParaRPr lang="en-US"/>
           </a:p>
@@ -1845,7 +1845,7 @@
           <a:p>
             <a:fld id="{1886E3E4-BBB0-9841-947E-52D7BC216E92}" type="datetimeFigureOut">
               <a:rPr lang="en-US" smtClean="0"/>
-              <a:t>2/14/19</a:t>
+              <a:t>11/27/19</a:t>
             </a:fld>
             <a:endParaRPr lang="en-US"/>
           </a:p>
@@ -1986,7 +1986,7 @@
           <a:p>
             <a:fld id="{1886E3E4-BBB0-9841-947E-52D7BC216E92}" type="datetimeFigureOut">
               <a:rPr lang="en-US" smtClean="0"/>
-              <a:t>2/14/19</a:t>
+              <a:t>11/27/19</a:t>
             </a:fld>
             <a:endParaRPr lang="en-US"/>
           </a:p>
@@ -2099,7 +2099,7 @@
           <a:p>
             <a:fld id="{1886E3E4-BBB0-9841-947E-52D7BC216E92}" type="datetimeFigureOut">
               <a:rPr lang="en-US" smtClean="0"/>
-              <a:t>2/14/19</a:t>
+              <a:t>11/27/19</a:t>
             </a:fld>
             <a:endParaRPr lang="en-US"/>
           </a:p>
@@ -2410,7 +2410,7 @@
           <a:p>
             <a:fld id="{1886E3E4-BBB0-9841-947E-52D7BC216E92}" type="datetimeFigureOut">
               <a:rPr lang="en-US" smtClean="0"/>
-              <a:t>2/14/19</a:t>
+              <a:t>11/27/19</a:t>
             </a:fld>
             <a:endParaRPr lang="en-US"/>
           </a:p>
@@ -2698,7 +2698,7 @@
           <a:p>
             <a:fld id="{1886E3E4-BBB0-9841-947E-52D7BC216E92}" type="datetimeFigureOut">
               <a:rPr lang="en-US" smtClean="0"/>
-              <a:t>2/14/19</a:t>
+              <a:t>11/27/19</a:t>
             </a:fld>
             <a:endParaRPr lang="en-US"/>
           </a:p>
@@ -2939,7 +2939,7 @@
           <a:p>
             <a:fld id="{1886E3E4-BBB0-9841-947E-52D7BC216E92}" type="datetimeFigureOut">
               <a:rPr lang="en-US" smtClean="0"/>
-              <a:t>2/14/19</a:t>
+              <a:t>11/27/19</a:t>
             </a:fld>
             <a:endParaRPr lang="en-US"/>
           </a:p>
@@ -3356,12 +3356,100 @@
           <a:chExt cx="0" cy="0"/>
         </a:xfrm>
       </p:grpSpPr>
+      <p:sp>
+        <p:nvSpPr>
+          <p:cNvPr id="3" name="Rectangle 2">
+            <a:extLst>
+              <a:ext uri="{FF2B5EF4-FFF2-40B4-BE49-F238E27FC236}">
+                <a16:creationId xmlns:a16="http://schemas.microsoft.com/office/drawing/2014/main" id="{415FB8B1-973A-C845-9ED4-EF496CC1DAF5}"/>
+              </a:ext>
+            </a:extLst>
+          </p:cNvPr>
+          <p:cNvSpPr/>
+          <p:nvPr/>
+        </p:nvSpPr>
+        <p:spPr>
+          <a:xfrm>
+            <a:off x="568737" y="1099929"/>
+            <a:ext cx="8190949" cy="2062103"/>
+          </a:xfrm>
+          <a:prstGeom prst="rect">
+            <a:avLst/>
+          </a:prstGeom>
+        </p:spPr>
+        <p:txBody>
+          <a:bodyPr wrap="square">
+            <a:spAutoFit/>
+          </a:bodyPr>
+          <a:lstStyle/>
+          <a:p>
+            <a:r>
+              <a:rPr lang="en-GB" sz="3200" b="1" dirty="0"/>
+              <a:t>Data Formatting Issues</a:t>
+            </a:r>
+          </a:p>
+          <a:p>
+            <a:r>
+              <a:rPr lang="en-GB" sz="3200" b="1" dirty="0"/>
+              <a:t>Managing Your Research Data– </a:t>
+            </a:r>
+          </a:p>
+          <a:p>
+            <a:r>
+              <a:rPr lang="en-GB" sz="3200" b="1" dirty="0"/>
+              <a:t>Best practices in Research Data Management </a:t>
+            </a:r>
+          </a:p>
+          <a:p>
+            <a:r>
+              <a:rPr lang="en-GB" sz="3200" b="1" dirty="0"/>
+              <a:t>for the Biological Sciences</a:t>
+            </a:r>
+          </a:p>
+        </p:txBody>
+      </p:sp>
       <p:pic>
         <p:nvPicPr>
-          <p:cNvPr id="2" name="Picture 1">
-            <a:extLst>
-              <a:ext uri="{FF2B5EF4-FFF2-40B4-BE49-F238E27FC236}">
-                <a16:creationId xmlns:a16="http://schemas.microsoft.com/office/drawing/2014/main" id="{FB11E52A-2D2D-6148-BB07-FAFB89D05D9E}"/>
+          <p:cNvPr id="5" name="Picture 4" descr="http://dtsinfotech.com/wp-content/uploads/2016/10/DBDR_.jpg">
+            <a:extLst>
+              <a:ext uri="{FF2B5EF4-FFF2-40B4-BE49-F238E27FC236}">
+                <a16:creationId xmlns:a16="http://schemas.microsoft.com/office/drawing/2014/main" id="{66252679-625F-AB46-BD09-5959A8098EFB}"/>
+              </a:ext>
+            </a:extLst>
+          </p:cNvPr>
+          <p:cNvPicPr/>
+          <p:nvPr/>
+        </p:nvPicPr>
+        <p:blipFill>
+          <a:blip r:embed="rId2">
+            <a:extLst>
+              <a:ext uri="{28A0092B-C50C-407E-A947-70E740481C1C}">
+                <a14:useLocalDpi xmlns:a14="http://schemas.microsoft.com/office/drawing/2010/main" val="0"/>
+              </a:ext>
+            </a:extLst>
+          </a:blip>
+          <a:srcRect/>
+          <a:stretch>
+            <a:fillRect/>
+          </a:stretch>
+        </p:blipFill>
+        <p:spPr bwMode="auto">
+          <a:xfrm>
+            <a:off x="8759686" y="1070299"/>
+            <a:ext cx="3128618" cy="4200940"/>
+          </a:xfrm>
+          <a:prstGeom prst="rect">
+            <a:avLst/>
+          </a:prstGeom>
+          <a:noFill/>
+        </p:spPr>
+      </p:pic>
+      <p:pic>
+        <p:nvPicPr>
+          <p:cNvPr id="4" name="Picture 3">
+            <a:extLst>
+              <a:ext uri="{FF2B5EF4-FFF2-40B4-BE49-F238E27FC236}">
+                <a16:creationId xmlns:a16="http://schemas.microsoft.com/office/drawing/2014/main" id="{1895C895-F863-AA45-958B-F6EE7695860B}"/>
               </a:ext>
             </a:extLst>
           </p:cNvPr>
@@ -3371,7 +3459,7 @@
           <p:nvPr/>
         </p:nvPicPr>
         <p:blipFill>
-          <a:blip r:embed="rId2">
+          <a:blip r:embed="rId3">
             <a:extLst>
               <a:ext uri="{28A0092B-C50C-407E-A947-70E740481C1C}">
                 <a14:useLocalDpi xmlns:a14="http://schemas.microsoft.com/office/drawing/2010/main" val="0"/>
@@ -3392,342 +3480,10 @@
           </a:prstGeom>
         </p:spPr>
       </p:pic>
-      <p:sp>
-        <p:nvSpPr>
-          <p:cNvPr id="3" name="Rectangle 2">
-            <a:extLst>
-              <a:ext uri="{FF2B5EF4-FFF2-40B4-BE49-F238E27FC236}">
-                <a16:creationId xmlns:a16="http://schemas.microsoft.com/office/drawing/2014/main" id="{2F43B457-76F7-6D42-8060-1D3EC770DDCA}"/>
-              </a:ext>
-            </a:extLst>
-          </p:cNvPr>
-          <p:cNvSpPr/>
-          <p:nvPr/>
-        </p:nvSpPr>
-        <p:spPr>
-          <a:xfrm>
-            <a:off x="1683026" y="254530"/>
-            <a:ext cx="9925877" cy="5693866"/>
-          </a:xfrm>
-          <a:prstGeom prst="rect">
-            <a:avLst/>
-          </a:prstGeom>
-        </p:spPr>
-        <p:txBody>
-          <a:bodyPr wrap="square">
-            <a:spAutoFit/>
-          </a:bodyPr>
-          <a:lstStyle/>
-          <a:p>
-            <a:pPr fontAlgn="base">
-              <a:spcAft>
-                <a:spcPts val="0"/>
-              </a:spcAft>
-            </a:pPr>
-            <a:r>
-              <a:rPr lang="en-GB" sz="2800" b="1" u="sng" dirty="0">
-                <a:solidFill>
-                  <a:srgbClr val="373737"/>
-                </a:solidFill>
-                <a:latin typeface="inherit"/>
-                <a:ea typeface="Times New Roman" panose="02020603050405020304" pitchFamily="18" charset="0"/>
-                <a:cs typeface="Calibri" panose="020F0502020204030204" pitchFamily="34" charset="0"/>
-              </a:rPr>
-              <a:t>Welcome to the CRUK Cambridge Institute</a:t>
-            </a:r>
-            <a:br>
-              <a:rPr lang="en-GB" sz="2800" b="1" u="sng" dirty="0">
-                <a:solidFill>
-                  <a:srgbClr val="373737"/>
-                </a:solidFill>
-                <a:latin typeface="inherit"/>
-                <a:ea typeface="Times New Roman" panose="02020603050405020304" pitchFamily="18" charset="0"/>
-                <a:cs typeface="Calibri" panose="020F0502020204030204" pitchFamily="34" charset="0"/>
-              </a:rPr>
-            </a:br>
-            <a:r>
-              <a:rPr lang="en-GB" sz="2800" b="1" u="sng" dirty="0">
-                <a:solidFill>
-                  <a:srgbClr val="373737"/>
-                </a:solidFill>
-                <a:latin typeface="inherit"/>
-                <a:ea typeface="Times New Roman" panose="02020603050405020304" pitchFamily="18" charset="0"/>
-                <a:cs typeface="Calibri" panose="020F0502020204030204" pitchFamily="34" charset="0"/>
-              </a:rPr>
-              <a:t>Bioinformatics Core’s course on </a:t>
-            </a:r>
-          </a:p>
-          <a:p>
-            <a:pPr fontAlgn="base">
-              <a:spcAft>
-                <a:spcPts val="0"/>
-              </a:spcAft>
-            </a:pPr>
-            <a:r>
-              <a:rPr lang="en-GB" sz="2800" b="1" u="sng" dirty="0">
-                <a:solidFill>
-                  <a:srgbClr val="373737"/>
-                </a:solidFill>
-                <a:latin typeface="inherit"/>
-                <a:ea typeface="Times New Roman" panose="02020603050405020304" pitchFamily="18" charset="0"/>
-                <a:cs typeface="Calibri" panose="020F0502020204030204" pitchFamily="34" charset="0"/>
-              </a:rPr>
-              <a:t>‘Managing your Research Data’</a:t>
-            </a:r>
-          </a:p>
-          <a:p>
-            <a:pPr fontAlgn="base">
-              <a:spcAft>
-                <a:spcPts val="0"/>
-              </a:spcAft>
-            </a:pPr>
-            <a:endParaRPr lang="en-GB" sz="2800" b="1" u="sng" dirty="0">
-              <a:solidFill>
-                <a:srgbClr val="373737"/>
-              </a:solidFill>
-              <a:latin typeface="inherit"/>
-              <a:ea typeface="Calibri" panose="020F0502020204030204" pitchFamily="34" charset="0"/>
-              <a:cs typeface="Calibri" panose="020F0502020204030204" pitchFamily="34" charset="0"/>
-            </a:endParaRPr>
-          </a:p>
-          <a:p>
-            <a:pPr fontAlgn="base">
-              <a:spcAft>
-                <a:spcPts val="0"/>
-              </a:spcAft>
-            </a:pPr>
-            <a:r>
-              <a:rPr lang="en-GB" sz="2800" b="1" dirty="0">
-                <a:solidFill>
-                  <a:srgbClr val="373737"/>
-                </a:solidFill>
-                <a:latin typeface="inherit"/>
-                <a:ea typeface="Calibri" panose="020F0502020204030204" pitchFamily="34" charset="0"/>
-                <a:cs typeface="Calibri" panose="020F0502020204030204" pitchFamily="34" charset="0"/>
-              </a:rPr>
-              <a:t>Your Trainers today are:</a:t>
-            </a:r>
-            <a:br>
-              <a:rPr lang="en-GB" sz="2800" b="1" dirty="0">
-                <a:solidFill>
-                  <a:srgbClr val="373737"/>
-                </a:solidFill>
-                <a:latin typeface="inherit"/>
-                <a:ea typeface="Calibri" panose="020F0502020204030204" pitchFamily="34" charset="0"/>
-                <a:cs typeface="Calibri" panose="020F0502020204030204" pitchFamily="34" charset="0"/>
-              </a:rPr>
-            </a:br>
-            <a:r>
-              <a:rPr lang="en-GB" sz="2800" b="1" dirty="0">
-                <a:solidFill>
-                  <a:srgbClr val="373737"/>
-                </a:solidFill>
-                <a:latin typeface="inherit"/>
-                <a:ea typeface="Calibri" panose="020F0502020204030204" pitchFamily="34" charset="0"/>
-                <a:cs typeface="Calibri" panose="020F0502020204030204" pitchFamily="34" charset="0"/>
-              </a:rPr>
-              <a:t>Mark Fernandes (</a:t>
-            </a:r>
-            <a:r>
-              <a:rPr lang="en-GB" sz="2800" b="1" dirty="0">
-                <a:solidFill>
-                  <a:srgbClr val="373737"/>
-                </a:solidFill>
-                <a:latin typeface="inherit"/>
-                <a:ea typeface="Calibri" panose="020F0502020204030204" pitchFamily="34" charset="0"/>
-                <a:cs typeface="Calibri" panose="020F0502020204030204" pitchFamily="34" charset="0"/>
-                <a:hlinkClick r:id="rId3"/>
-              </a:rPr>
-              <a:t>mark.Fernandes@cruk.cam.ac.uk</a:t>
-            </a:r>
-            <a:r>
-              <a:rPr lang="en-GB" sz="2800" b="1" dirty="0">
-                <a:solidFill>
-                  <a:srgbClr val="373737"/>
-                </a:solidFill>
-                <a:latin typeface="inherit"/>
-                <a:ea typeface="Calibri" panose="020F0502020204030204" pitchFamily="34" charset="0"/>
-                <a:cs typeface="Calibri" panose="020F0502020204030204" pitchFamily="34" charset="0"/>
-              </a:rPr>
-              <a:t>)</a:t>
-            </a:r>
-          </a:p>
-          <a:p>
-            <a:pPr fontAlgn="base">
-              <a:spcAft>
-                <a:spcPts val="0"/>
-              </a:spcAft>
-            </a:pPr>
-            <a:r>
-              <a:rPr lang="en-GB" sz="2800" b="1" dirty="0">
-                <a:solidFill>
-                  <a:srgbClr val="373737"/>
-                </a:solidFill>
-                <a:latin typeface="inherit"/>
-                <a:ea typeface="Calibri" panose="020F0502020204030204" pitchFamily="34" charset="0"/>
-                <a:cs typeface="Calibri" panose="020F0502020204030204" pitchFamily="34" charset="0"/>
-              </a:rPr>
-              <a:t>Jing Su</a:t>
-            </a:r>
-          </a:p>
-          <a:p>
-            <a:pPr fontAlgn="base">
-              <a:spcAft>
-                <a:spcPts val="0"/>
-              </a:spcAft>
-            </a:pPr>
-            <a:r>
-              <a:rPr lang="en-GB" sz="2800" b="1" dirty="0">
-                <a:solidFill>
-                  <a:srgbClr val="373737"/>
-                </a:solidFill>
-                <a:latin typeface="inherit"/>
-                <a:ea typeface="Calibri" panose="020F0502020204030204" pitchFamily="34" charset="0"/>
-                <a:cs typeface="Calibri" panose="020F0502020204030204" pitchFamily="34" charset="0"/>
-              </a:rPr>
-              <a:t>Anne </a:t>
-            </a:r>
-            <a:r>
-              <a:rPr lang="en-GB" sz="2800" b="1" dirty="0" err="1">
-                <a:solidFill>
-                  <a:srgbClr val="373737"/>
-                </a:solidFill>
-                <a:latin typeface="inherit"/>
-                <a:ea typeface="Calibri" panose="020F0502020204030204" pitchFamily="34" charset="0"/>
-                <a:cs typeface="Calibri" panose="020F0502020204030204" pitchFamily="34" charset="0"/>
-              </a:rPr>
-              <a:t>Pajon</a:t>
-            </a:r>
-            <a:endParaRPr lang="en-GB" sz="2800" b="1" dirty="0">
-              <a:solidFill>
-                <a:srgbClr val="373737"/>
-              </a:solidFill>
-              <a:latin typeface="inherit"/>
-              <a:ea typeface="Calibri" panose="020F0502020204030204" pitchFamily="34" charset="0"/>
-              <a:cs typeface="Calibri" panose="020F0502020204030204" pitchFamily="34" charset="0"/>
-            </a:endParaRPr>
-          </a:p>
-          <a:p>
-            <a:pPr fontAlgn="base">
-              <a:spcAft>
-                <a:spcPts val="0"/>
-              </a:spcAft>
-            </a:pPr>
-            <a:endParaRPr lang="en-GB" sz="2800" b="1" dirty="0">
-              <a:solidFill>
-                <a:srgbClr val="373737"/>
-              </a:solidFill>
-              <a:latin typeface="inherit"/>
-              <a:ea typeface="Calibri" panose="020F0502020204030204" pitchFamily="34" charset="0"/>
-              <a:cs typeface="Calibri" panose="020F0502020204030204" pitchFamily="34" charset="0"/>
-            </a:endParaRPr>
-          </a:p>
-          <a:p>
-            <a:pPr fontAlgn="base">
-              <a:spcAft>
-                <a:spcPts val="0"/>
-              </a:spcAft>
-            </a:pPr>
-            <a:r>
-              <a:rPr lang="en-GB" sz="2800" b="1" dirty="0">
-                <a:solidFill>
-                  <a:srgbClr val="373737"/>
-                </a:solidFill>
-                <a:latin typeface="inherit"/>
-                <a:ea typeface="Calibri" panose="020F0502020204030204" pitchFamily="34" charset="0"/>
-                <a:cs typeface="Calibri" panose="020F0502020204030204" pitchFamily="34" charset="0"/>
-              </a:rPr>
-              <a:t>We will be using an electronic whiteboard (</a:t>
-            </a:r>
-            <a:r>
-              <a:rPr lang="en-GB" sz="2800" b="1" dirty="0" err="1">
-                <a:solidFill>
-                  <a:srgbClr val="373737"/>
-                </a:solidFill>
-                <a:latin typeface="inherit"/>
-                <a:ea typeface="Calibri" panose="020F0502020204030204" pitchFamily="34" charset="0"/>
-                <a:cs typeface="Calibri" panose="020F0502020204030204" pitchFamily="34" charset="0"/>
-              </a:rPr>
-              <a:t>Etherpad</a:t>
-            </a:r>
-            <a:r>
-              <a:rPr lang="en-GB" sz="2800" b="1" dirty="0">
-                <a:solidFill>
-                  <a:srgbClr val="373737"/>
-                </a:solidFill>
-                <a:latin typeface="inherit"/>
-                <a:ea typeface="Calibri" panose="020F0502020204030204" pitchFamily="34" charset="0"/>
-                <a:cs typeface="Calibri" panose="020F0502020204030204" pitchFamily="34" charset="0"/>
-              </a:rPr>
-              <a:t>)</a:t>
-            </a:r>
-          </a:p>
-          <a:p>
-            <a:pPr fontAlgn="base">
-              <a:spcAft>
-                <a:spcPts val="0"/>
-              </a:spcAft>
-            </a:pPr>
-            <a:r>
-              <a:rPr lang="en-GB" sz="2800" b="1" dirty="0">
-                <a:solidFill>
-                  <a:srgbClr val="373737"/>
-                </a:solidFill>
-                <a:latin typeface="inherit"/>
-                <a:ea typeface="Calibri" panose="020F0502020204030204" pitchFamily="34" charset="0"/>
-                <a:cs typeface="Calibri" panose="020F0502020204030204" pitchFamily="34" charset="0"/>
-              </a:rPr>
-              <a:t>Please log onto your computer and access:</a:t>
-            </a:r>
-            <a:br>
-              <a:rPr lang="en-GB" sz="2800" b="1" dirty="0">
-                <a:solidFill>
-                  <a:srgbClr val="373737"/>
-                </a:solidFill>
-                <a:latin typeface="inherit"/>
-                <a:ea typeface="Calibri" panose="020F0502020204030204" pitchFamily="34" charset="0"/>
-                <a:cs typeface="Calibri" panose="020F0502020204030204" pitchFamily="34" charset="0"/>
-              </a:rPr>
-            </a:br>
-            <a:r>
-              <a:rPr lang="en-GB" sz="2800" b="1" dirty="0">
-                <a:solidFill>
-                  <a:srgbClr val="373737"/>
-                </a:solidFill>
-                <a:latin typeface="inherit"/>
-                <a:ea typeface="Calibri" panose="020F0502020204030204" pitchFamily="34" charset="0"/>
-                <a:cs typeface="Calibri" panose="020F0502020204030204" pitchFamily="34" charset="0"/>
-                <a:hlinkClick r:id="rId4"/>
-              </a:rPr>
-              <a:t>https://public.etherpad-mozilla.org/p/2019-2-26-cruk-ci-myrd</a:t>
-            </a:r>
-            <a:endParaRPr lang="en-GB" sz="2800" b="1" dirty="0">
-              <a:solidFill>
-                <a:srgbClr val="373737"/>
-              </a:solidFill>
-              <a:latin typeface="inherit"/>
-              <a:ea typeface="Calibri" panose="020F0502020204030204" pitchFamily="34" charset="0"/>
-              <a:cs typeface="Calibri" panose="020F0502020204030204" pitchFamily="34" charset="0"/>
-            </a:endParaRPr>
-          </a:p>
-          <a:p>
-            <a:pPr fontAlgn="base">
-              <a:spcAft>
-                <a:spcPts val="0"/>
-              </a:spcAft>
-            </a:pPr>
-            <a:endParaRPr lang="en-GB" sz="2800" dirty="0">
-              <a:latin typeface="Calibri" panose="020F0502020204030204" pitchFamily="34" charset="0"/>
-              <a:ea typeface="Calibri" panose="020F0502020204030204" pitchFamily="34" charset="0"/>
-              <a:cs typeface="Times New Roman" panose="02020603050405020304" pitchFamily="18" charset="0"/>
-            </a:endParaRPr>
-          </a:p>
-        </p:txBody>
-      </p:sp>
     </p:spTree>
     <p:extLst>
       <p:ext uri="{BB962C8B-B14F-4D97-AF65-F5344CB8AC3E}">
-        <p14:creationId xmlns:p14="http://schemas.microsoft.com/office/powerpoint/2010/main" val="3350271999"/>
+        <p14:creationId xmlns:p14="http://schemas.microsoft.com/office/powerpoint/2010/main" val="1212522170"/>
       </p:ext>
     </p:extLst>
   </p:cSld>
@@ -3756,195 +3512,6 @@
       </p:grpSpPr>
       <p:sp>
         <p:nvSpPr>
-          <p:cNvPr id="3" name="Rectangle 2">
-            <a:extLst>
-              <a:ext uri="{FF2B5EF4-FFF2-40B4-BE49-F238E27FC236}">
-                <a16:creationId xmlns:a16="http://schemas.microsoft.com/office/drawing/2014/main" id="{B60F2198-DA84-BB4B-B66D-5884E311377A}"/>
-              </a:ext>
-            </a:extLst>
-          </p:cNvPr>
-          <p:cNvSpPr/>
-          <p:nvPr/>
-        </p:nvSpPr>
-        <p:spPr>
-          <a:xfrm>
-            <a:off x="2204278" y="4756817"/>
-            <a:ext cx="6096000" cy="923330"/>
-          </a:xfrm>
-          <a:prstGeom prst="rect">
-            <a:avLst/>
-          </a:prstGeom>
-        </p:spPr>
-        <p:txBody>
-          <a:bodyPr>
-            <a:spAutoFit/>
-          </a:bodyPr>
-          <a:lstStyle/>
-          <a:p>
-            <a:r>
-              <a:rPr lang="en-GB">
-                <a:hlinkClick r:id="rId2"/>
-              </a:rPr>
-              <a:t>http://www.inquisitr.com/309687/jesus-painting-restoration-goes-wrong-well-intentioned-old-lady-destroys-100-year-old-fresco/</a:t>
-            </a:r>
-            <a:endParaRPr lang="en-US"/>
-          </a:p>
-        </p:txBody>
-      </p:sp>
-      <p:pic>
-        <p:nvPicPr>
-          <p:cNvPr id="4100" name="Picture 4" descr="http://cdn.inquisitr.com/wp-content/uploads/2012/08/jesus-christ-fresco.gif">
-            <a:extLst>
-              <a:ext uri="{FF2B5EF4-FFF2-40B4-BE49-F238E27FC236}">
-                <a16:creationId xmlns:a16="http://schemas.microsoft.com/office/drawing/2014/main" id="{FC78B7F2-45FC-9A4F-9DD8-82C3374B7C87}"/>
-              </a:ext>
-            </a:extLst>
-          </p:cNvPr>
-          <p:cNvPicPr>
-            <a:picLocks noChangeAspect="1" noChangeArrowheads="1"/>
-          </p:cNvPicPr>
-          <p:nvPr/>
-        </p:nvPicPr>
-        <p:blipFill>
-          <a:blip r:embed="rId3">
-            <a:extLst>
-              <a:ext uri="{28A0092B-C50C-407E-A947-70E740481C1C}">
-                <a14:useLocalDpi xmlns:a14="http://schemas.microsoft.com/office/drawing/2010/main" val="0"/>
-              </a:ext>
-            </a:extLst>
-          </a:blip>
-          <a:srcRect/>
-          <a:stretch>
-            <a:fillRect/>
-          </a:stretch>
-        </p:blipFill>
-        <p:spPr bwMode="auto">
-          <a:xfrm>
-            <a:off x="2305878" y="1006271"/>
-            <a:ext cx="5892800" cy="3683000"/>
-          </a:xfrm>
-          <a:prstGeom prst="rect">
-            <a:avLst/>
-          </a:prstGeom>
-          <a:noFill/>
-          <a:extLst>
-            <a:ext uri="{909E8E84-426E-40DD-AFC4-6F175D3DCCD1}">
-              <a14:hiddenFill xmlns:a14="http://schemas.microsoft.com/office/drawing/2010/main">
-                <a:solidFill>
-                  <a:srgbClr val="FFFFFF"/>
-                </a:solidFill>
-              </a14:hiddenFill>
-            </a:ext>
-          </a:extLst>
-        </p:spPr>
-      </p:pic>
-      <p:sp>
-        <p:nvSpPr>
-          <p:cNvPr id="4" name="Rectangle 3">
-            <a:extLst>
-              <a:ext uri="{FF2B5EF4-FFF2-40B4-BE49-F238E27FC236}">
-                <a16:creationId xmlns:a16="http://schemas.microsoft.com/office/drawing/2014/main" id="{305BED88-073C-8A40-8711-551DCAD1F046}"/>
-              </a:ext>
-            </a:extLst>
-          </p:cNvPr>
-          <p:cNvSpPr/>
-          <p:nvPr/>
-        </p:nvSpPr>
-        <p:spPr>
-          <a:xfrm>
-            <a:off x="2305878" y="463094"/>
-            <a:ext cx="5740931" cy="461665"/>
-          </a:xfrm>
-          <a:prstGeom prst="rect">
-            <a:avLst/>
-          </a:prstGeom>
-        </p:spPr>
-        <p:txBody>
-          <a:bodyPr wrap="none">
-            <a:spAutoFit/>
-          </a:bodyPr>
-          <a:lstStyle/>
-          <a:p>
-            <a:r>
-              <a:rPr lang="en-GB" sz="2400" b="1" dirty="0"/>
-              <a:t>Rule 1 -</a:t>
-            </a:r>
-            <a:r>
-              <a:rPr lang="en-GB" sz="2400" b="1" i="1" dirty="0"/>
-              <a:t>Never work directly on the raw data</a:t>
-            </a:r>
-            <a:endParaRPr lang="en-GB" sz="2400" b="1" dirty="0"/>
-          </a:p>
-        </p:txBody>
-      </p:sp>
-      <p:pic>
-        <p:nvPicPr>
-          <p:cNvPr id="5" name="Picture 4">
-            <a:extLst>
-              <a:ext uri="{FF2B5EF4-FFF2-40B4-BE49-F238E27FC236}">
-                <a16:creationId xmlns:a16="http://schemas.microsoft.com/office/drawing/2014/main" id="{DCB74697-58ED-1C4F-A29F-351254C6D8F3}"/>
-              </a:ext>
-            </a:extLst>
-          </p:cNvPr>
-          <p:cNvPicPr>
-            <a:picLocks noChangeAspect="1"/>
-          </p:cNvPicPr>
-          <p:nvPr/>
-        </p:nvPicPr>
-        <p:blipFill>
-          <a:blip r:embed="rId4">
-            <a:extLst>
-              <a:ext uri="{28A0092B-C50C-407E-A947-70E740481C1C}">
-                <a14:useLocalDpi xmlns:a14="http://schemas.microsoft.com/office/drawing/2010/main" val="0"/>
-              </a:ext>
-            </a:extLst>
-          </a:blip>
-          <a:stretch>
-            <a:fillRect/>
-          </a:stretch>
-        </p:blipFill>
-        <p:spPr>
-          <a:xfrm>
-            <a:off x="355876" y="5761659"/>
-            <a:ext cx="3283200" cy="720058"/>
-          </a:xfrm>
-          <a:prstGeom prst="rect">
-            <a:avLst/>
-          </a:prstGeom>
-        </p:spPr>
-      </p:pic>
-    </p:spTree>
-    <p:extLst>
-      <p:ext uri="{BB962C8B-B14F-4D97-AF65-F5344CB8AC3E}">
-        <p14:creationId xmlns:p14="http://schemas.microsoft.com/office/powerpoint/2010/main" val="2900627862"/>
-      </p:ext>
-    </p:extLst>
-  </p:cSld>
-  <p:clrMapOvr>
-    <a:masterClrMapping/>
-  </p:clrMapOvr>
-</p:sld>
-</file>
-
-<file path=ppt/slides/slide11.xml><?xml version="1.0" encoding="utf-8"?>
-<p:sld xmlns:a="http://schemas.openxmlformats.org/drawingml/2006/main" xmlns:r="http://schemas.openxmlformats.org/officeDocument/2006/relationships" xmlns:p="http://schemas.openxmlformats.org/presentationml/2006/main">
-  <p:cSld>
-    <p:spTree>
-      <p:nvGrpSpPr>
-        <p:cNvPr id="1" name=""/>
-        <p:cNvGrpSpPr/>
-        <p:nvPr/>
-      </p:nvGrpSpPr>
-      <p:grpSpPr>
-        <a:xfrm>
-          <a:off x="0" y="0"/>
-          <a:ext cx="0" cy="0"/>
-          <a:chOff x="0" y="0"/>
-          <a:chExt cx="0" cy="0"/>
-        </a:xfrm>
-      </p:grpSpPr>
-      <p:sp>
-        <p:nvSpPr>
           <p:cNvPr id="4" name="Rectangle 3">
             <a:extLst>
               <a:ext uri="{FF2B5EF4-FFF2-40B4-BE49-F238E27FC236}">
@@ -4115,7 +3682,7 @@
 </p:sld>
 </file>
 
-<file path=ppt/slides/slide12.xml><?xml version="1.0" encoding="utf-8"?>
+<file path=ppt/slides/slide11.xml><?xml version="1.0" encoding="utf-8"?>
 <p:sld xmlns:a="http://schemas.openxmlformats.org/drawingml/2006/main" xmlns:r="http://schemas.openxmlformats.org/officeDocument/2006/relationships" xmlns:p="http://schemas.openxmlformats.org/presentationml/2006/main">
   <p:cSld>
     <p:spTree>
@@ -5256,7 +4823,7 @@
 </p:sld>
 </file>
 
-<file path=ppt/slides/slide13.xml><?xml version="1.0" encoding="utf-8"?>
+<file path=ppt/slides/slide12.xml><?xml version="1.0" encoding="utf-8"?>
 <p:sld xmlns:a="http://schemas.openxmlformats.org/drawingml/2006/main" xmlns:r="http://schemas.openxmlformats.org/officeDocument/2006/relationships" xmlns:p="http://schemas.openxmlformats.org/presentationml/2006/main">
   <p:cSld>
     <p:spTree>
@@ -5482,7 +5049,7 @@
 </p:sld>
 </file>
 
-<file path=ppt/slides/slide14.xml><?xml version="1.0" encoding="utf-8"?>
+<file path=ppt/slides/slide13.xml><?xml version="1.0" encoding="utf-8"?>
 <p:sld xmlns:a="http://schemas.openxmlformats.org/drawingml/2006/main" xmlns:r="http://schemas.openxmlformats.org/officeDocument/2006/relationships" xmlns:p="http://schemas.openxmlformats.org/presentationml/2006/main">
   <p:cSld>
     <p:spTree>
@@ -5660,7 +5227,7 @@
 </p:sld>
 </file>
 
-<file path=ppt/slides/slide15.xml><?xml version="1.0" encoding="utf-8"?>
+<file path=ppt/slides/slide14.xml><?xml version="1.0" encoding="utf-8"?>
 <p:sld xmlns:a="http://schemas.openxmlformats.org/drawingml/2006/main" xmlns:r="http://schemas.openxmlformats.org/officeDocument/2006/relationships" xmlns:p="http://schemas.openxmlformats.org/presentationml/2006/main">
   <p:cSld>
     <p:spTree>
@@ -5813,7 +5380,7 @@
 </p:sld>
 </file>
 
-<file path=ppt/slides/slide16.xml><?xml version="1.0" encoding="utf-8"?>
+<file path=ppt/slides/slide15.xml><?xml version="1.0" encoding="utf-8"?>
 <p:sld xmlns:a="http://schemas.openxmlformats.org/drawingml/2006/main" xmlns:r="http://schemas.openxmlformats.org/officeDocument/2006/relationships" xmlns:p="http://schemas.openxmlformats.org/presentationml/2006/main">
   <p:cSld>
     <p:spTree>
@@ -6863,7 +6430,7 @@
 </p:sld>
 </file>
 
-<file path=ppt/slides/slide17.xml><?xml version="1.0" encoding="utf-8"?>
+<file path=ppt/slides/slide16.xml><?xml version="1.0" encoding="utf-8"?>
 <p:sld xmlns:a="http://schemas.openxmlformats.org/drawingml/2006/main" xmlns:r="http://schemas.openxmlformats.org/officeDocument/2006/relationships" xmlns:p="http://schemas.openxmlformats.org/presentationml/2006/main">
   <p:cSld>
     <p:spTree>
@@ -7023,7 +6590,7 @@
 </p:sld>
 </file>
 
-<file path=ppt/slides/slide18.xml><?xml version="1.0" encoding="utf-8"?>
+<file path=ppt/slides/slide17.xml><?xml version="1.0" encoding="utf-8"?>
 <p:sld xmlns:a="http://schemas.openxmlformats.org/drawingml/2006/main" xmlns:r="http://schemas.openxmlformats.org/officeDocument/2006/relationships" xmlns:p="http://schemas.openxmlformats.org/presentationml/2006/main">
   <p:cSld>
     <p:spTree>
@@ -7202,7 +6769,7 @@
 </p:sld>
 </file>
 
-<file path=ppt/slides/slide19.xml><?xml version="1.0" encoding="utf-8"?>
+<file path=ppt/slides/slide18.xml><?xml version="1.0" encoding="utf-8"?>
 <p:sld xmlns:a="http://schemas.openxmlformats.org/drawingml/2006/main" xmlns:r="http://schemas.openxmlformats.org/officeDocument/2006/relationships" xmlns:p="http://schemas.openxmlformats.org/presentationml/2006/main">
   <p:cSld>
     <p:spTree>
@@ -8031,161 +7598,7 @@
 </p:sld>
 </file>
 
-<file path=ppt/slides/slide2.xml><?xml version="1.0" encoding="utf-8"?>
-<p:sld xmlns:a="http://schemas.openxmlformats.org/drawingml/2006/main" xmlns:r="http://schemas.openxmlformats.org/officeDocument/2006/relationships" xmlns:p="http://schemas.openxmlformats.org/presentationml/2006/main">
-  <p:cSld>
-    <p:spTree>
-      <p:nvGrpSpPr>
-        <p:cNvPr id="1" name=""/>
-        <p:cNvGrpSpPr/>
-        <p:nvPr/>
-      </p:nvGrpSpPr>
-      <p:grpSpPr>
-        <a:xfrm>
-          <a:off x="0" y="0"/>
-          <a:ext cx="0" cy="0"/>
-          <a:chOff x="0" y="0"/>
-          <a:chExt cx="0" cy="0"/>
-        </a:xfrm>
-      </p:grpSpPr>
-      <p:sp>
-        <p:nvSpPr>
-          <p:cNvPr id="3" name="Rectangle 2">
-            <a:extLst>
-              <a:ext uri="{FF2B5EF4-FFF2-40B4-BE49-F238E27FC236}">
-                <a16:creationId xmlns:a16="http://schemas.microsoft.com/office/drawing/2014/main" id="{415FB8B1-973A-C845-9ED4-EF496CC1DAF5}"/>
-              </a:ext>
-            </a:extLst>
-          </p:cNvPr>
-          <p:cNvSpPr/>
-          <p:nvPr/>
-        </p:nvSpPr>
-        <p:spPr>
-          <a:xfrm>
-            <a:off x="568737" y="1099929"/>
-            <a:ext cx="8190949" cy="2062103"/>
-          </a:xfrm>
-          <a:prstGeom prst="rect">
-            <a:avLst/>
-          </a:prstGeom>
-        </p:spPr>
-        <p:txBody>
-          <a:bodyPr wrap="square">
-            <a:spAutoFit/>
-          </a:bodyPr>
-          <a:lstStyle/>
-          <a:p>
-            <a:r>
-              <a:rPr lang="en-GB" sz="3200" b="1" dirty="0"/>
-              <a:t>Data Formatting Issues</a:t>
-            </a:r>
-          </a:p>
-          <a:p>
-            <a:r>
-              <a:rPr lang="en-GB" sz="3200" b="1" dirty="0"/>
-              <a:t>Managing Your Research Data– </a:t>
-            </a:r>
-          </a:p>
-          <a:p>
-            <a:r>
-              <a:rPr lang="en-GB" sz="3200" b="1" dirty="0"/>
-              <a:t>Best practices in Research Data Management </a:t>
-            </a:r>
-          </a:p>
-          <a:p>
-            <a:r>
-              <a:rPr lang="en-GB" sz="3200" b="1" dirty="0"/>
-              <a:t>for the Biological Sciences</a:t>
-            </a:r>
-          </a:p>
-        </p:txBody>
-      </p:sp>
-      <p:pic>
-        <p:nvPicPr>
-          <p:cNvPr id="5" name="Picture 4" descr="http://dtsinfotech.com/wp-content/uploads/2016/10/DBDR_.jpg">
-            <a:extLst>
-              <a:ext uri="{FF2B5EF4-FFF2-40B4-BE49-F238E27FC236}">
-                <a16:creationId xmlns:a16="http://schemas.microsoft.com/office/drawing/2014/main" id="{66252679-625F-AB46-BD09-5959A8098EFB}"/>
-              </a:ext>
-            </a:extLst>
-          </p:cNvPr>
-          <p:cNvPicPr/>
-          <p:nvPr/>
-        </p:nvPicPr>
-        <p:blipFill>
-          <a:blip r:embed="rId2">
-            <a:extLst>
-              <a:ext uri="{28A0092B-C50C-407E-A947-70E740481C1C}">
-                <a14:useLocalDpi xmlns:a14="http://schemas.microsoft.com/office/drawing/2010/main" val="0"/>
-              </a:ext>
-            </a:extLst>
-          </a:blip>
-          <a:srcRect/>
-          <a:stretch>
-            <a:fillRect/>
-          </a:stretch>
-        </p:blipFill>
-        <p:spPr bwMode="auto">
-          <a:xfrm>
-            <a:off x="8759686" y="1070299"/>
-            <a:ext cx="3128618" cy="4200940"/>
-          </a:xfrm>
-          <a:prstGeom prst="rect">
-            <a:avLst/>
-          </a:prstGeom>
-          <a:noFill/>
-        </p:spPr>
-      </p:pic>
-      <p:pic>
-        <p:nvPicPr>
-          <p:cNvPr id="4" name="Picture 3">
-            <a:extLst>
-              <a:ext uri="{FF2B5EF4-FFF2-40B4-BE49-F238E27FC236}">
-                <a16:creationId xmlns:a16="http://schemas.microsoft.com/office/drawing/2014/main" id="{1895C895-F863-AA45-958B-F6EE7695860B}"/>
-              </a:ext>
-            </a:extLst>
-          </p:cNvPr>
-          <p:cNvPicPr>
-            <a:picLocks noChangeAspect="1"/>
-          </p:cNvPicPr>
-          <p:nvPr/>
-        </p:nvPicPr>
-        <p:blipFill>
-          <a:blip r:embed="rId3">
-            <a:extLst>
-              <a:ext uri="{28A0092B-C50C-407E-A947-70E740481C1C}">
-                <a14:useLocalDpi xmlns:a14="http://schemas.microsoft.com/office/drawing/2010/main" val="0"/>
-              </a:ext>
-            </a:extLst>
-          </a:blip>
-          <a:stretch>
-            <a:fillRect/>
-          </a:stretch>
-        </p:blipFill>
-        <p:spPr>
-          <a:xfrm>
-            <a:off x="355876" y="5761659"/>
-            <a:ext cx="3283200" cy="720058"/>
-          </a:xfrm>
-          <a:prstGeom prst="rect">
-            <a:avLst/>
-          </a:prstGeom>
-        </p:spPr>
-      </p:pic>
-    </p:spTree>
-    <p:extLst>
-      <p:ext uri="{BB962C8B-B14F-4D97-AF65-F5344CB8AC3E}">
-        <p14:creationId xmlns:p14="http://schemas.microsoft.com/office/powerpoint/2010/main" val="1212522170"/>
-      </p:ext>
-    </p:extLst>
-  </p:cSld>
-  <p:clrMapOvr>
-    <a:masterClrMapping/>
-  </p:clrMapOvr>
-</p:sld>
-</file>
-
-<file path=ppt/slides/slide20.xml><?xml version="1.0" encoding="utf-8"?>
+<file path=ppt/slides/slide19.xml><?xml version="1.0" encoding="utf-8"?>
 <p:sld xmlns:a="http://schemas.openxmlformats.org/drawingml/2006/main" xmlns:r="http://schemas.openxmlformats.org/officeDocument/2006/relationships" xmlns:p="http://schemas.openxmlformats.org/presentationml/2006/main">
   <p:cSld>
     <p:spTree>
@@ -8355,7 +7768,159 @@
 </p:sld>
 </file>
 
-<file path=ppt/slides/slide21.xml><?xml version="1.0" encoding="utf-8"?>
+<file path=ppt/slides/slide2.xml><?xml version="1.0" encoding="utf-8"?>
+<p:sld xmlns:a="http://schemas.openxmlformats.org/drawingml/2006/main" xmlns:r="http://schemas.openxmlformats.org/officeDocument/2006/relationships" xmlns:p="http://schemas.openxmlformats.org/presentationml/2006/main">
+  <p:cSld>
+    <p:spTree>
+      <p:nvGrpSpPr>
+        <p:cNvPr id="1" name=""/>
+        <p:cNvGrpSpPr/>
+        <p:nvPr/>
+      </p:nvGrpSpPr>
+      <p:grpSpPr>
+        <a:xfrm>
+          <a:off x="0" y="0"/>
+          <a:ext cx="0" cy="0"/>
+          <a:chOff x="0" y="0"/>
+          <a:chExt cx="0" cy="0"/>
+        </a:xfrm>
+      </p:grpSpPr>
+      <p:sp>
+        <p:nvSpPr>
+          <p:cNvPr id="2" name="Rectangle 1">
+            <a:extLst>
+              <a:ext uri="{FF2B5EF4-FFF2-40B4-BE49-F238E27FC236}">
+                <a16:creationId xmlns:a16="http://schemas.microsoft.com/office/drawing/2014/main" id="{B08FDF18-1896-954A-8E9F-5113A08F82F5}"/>
+              </a:ext>
+            </a:extLst>
+          </p:cNvPr>
+          <p:cNvSpPr/>
+          <p:nvPr/>
+        </p:nvSpPr>
+        <p:spPr>
+          <a:xfrm>
+            <a:off x="1683024" y="1316001"/>
+            <a:ext cx="9316279" cy="3785652"/>
+          </a:xfrm>
+          <a:prstGeom prst="rect">
+            <a:avLst/>
+          </a:prstGeom>
+        </p:spPr>
+        <p:txBody>
+          <a:bodyPr wrap="square">
+            <a:spAutoFit/>
+          </a:bodyPr>
+          <a:lstStyle/>
+          <a:p>
+            <a:r>
+              <a:rPr lang="en-GB" sz="2400" b="1" dirty="0"/>
+              <a:t>Reproducible Research</a:t>
+            </a:r>
+          </a:p>
+          <a:p>
+            <a:pPr>
+              <a:buFont typeface="Arial" panose="020B0604020202020204" pitchFamily="34" charset="0"/>
+              <a:buChar char="•"/>
+            </a:pPr>
+            <a:r>
+              <a:rPr lang="en-GB" sz="2400" dirty="0"/>
+              <a:t>At some point in the future, someone, somewhere, might want to repeat your analysis for themselves or re-use your data.</a:t>
+            </a:r>
+          </a:p>
+          <a:p>
+            <a:pPr marL="742950" lvl="1" indent="-285750">
+              <a:buFont typeface="Arial" panose="020B0604020202020204" pitchFamily="34" charset="0"/>
+              <a:buChar char="•"/>
+            </a:pPr>
+            <a:r>
+              <a:rPr lang="en-GB" sz="2400" dirty="0"/>
+              <a:t>which will most likely be </a:t>
+            </a:r>
+            <a:r>
+              <a:rPr lang="en-GB" sz="2400" b="1" i="1" dirty="0"/>
+              <a:t>you!</a:t>
+            </a:r>
+            <a:br>
+              <a:rPr lang="en-GB" sz="2400" b="1" i="1" dirty="0"/>
+            </a:br>
+            <a:endParaRPr lang="en-GB" sz="2400" dirty="0"/>
+          </a:p>
+          <a:p>
+            <a:pPr>
+              <a:buFont typeface="Arial" panose="020B0604020202020204" pitchFamily="34" charset="0"/>
+              <a:buChar char="•"/>
+            </a:pPr>
+            <a:r>
+              <a:rPr lang="en-GB" sz="2400" dirty="0"/>
+              <a:t>Assuming that you'll be able to remember all the steps involved is dangerous, so making sure that everything is well-documented is key.</a:t>
+            </a:r>
+            <a:br>
+              <a:rPr lang="en-GB" sz="2400" dirty="0"/>
+            </a:br>
+            <a:endParaRPr lang="en-GB" sz="2400" dirty="0"/>
+          </a:p>
+          <a:p>
+            <a:pPr>
+              <a:buFont typeface="Arial" panose="020B0604020202020204" pitchFamily="34" charset="0"/>
+              <a:buChar char="•"/>
+            </a:pPr>
+            <a:r>
+              <a:rPr lang="en-GB" sz="2400" dirty="0"/>
+              <a:t>The documentation involves not only the methods used, but the files used as input and any transformations performed on them.</a:t>
+            </a:r>
+          </a:p>
+        </p:txBody>
+      </p:sp>
+      <p:pic>
+        <p:nvPicPr>
+          <p:cNvPr id="3" name="Picture 2">
+            <a:extLst>
+              <a:ext uri="{FF2B5EF4-FFF2-40B4-BE49-F238E27FC236}">
+                <a16:creationId xmlns:a16="http://schemas.microsoft.com/office/drawing/2014/main" id="{2689A52C-0BFB-844F-A22B-A5DBEECF4667}"/>
+              </a:ext>
+            </a:extLst>
+          </p:cNvPr>
+          <p:cNvPicPr>
+            <a:picLocks noChangeAspect="1"/>
+          </p:cNvPicPr>
+          <p:nvPr/>
+        </p:nvPicPr>
+        <p:blipFill>
+          <a:blip r:embed="rId2">
+            <a:extLst>
+              <a:ext uri="{28A0092B-C50C-407E-A947-70E740481C1C}">
+                <a14:useLocalDpi xmlns:a14="http://schemas.microsoft.com/office/drawing/2010/main" val="0"/>
+              </a:ext>
+            </a:extLst>
+          </a:blip>
+          <a:stretch>
+            <a:fillRect/>
+          </a:stretch>
+        </p:blipFill>
+        <p:spPr>
+          <a:xfrm>
+            <a:off x="355876" y="5761659"/>
+            <a:ext cx="3283200" cy="720058"/>
+          </a:xfrm>
+          <a:prstGeom prst="rect">
+            <a:avLst/>
+          </a:prstGeom>
+        </p:spPr>
+      </p:pic>
+    </p:spTree>
+    <p:extLst>
+      <p:ext uri="{BB962C8B-B14F-4D97-AF65-F5344CB8AC3E}">
+        <p14:creationId xmlns:p14="http://schemas.microsoft.com/office/powerpoint/2010/main" val="2492027165"/>
+      </p:ext>
+    </p:extLst>
+  </p:cSld>
+  <p:clrMapOvr>
+    <a:masterClrMapping/>
+  </p:clrMapOvr>
+</p:sld>
+</file>
+
+<file path=ppt/slides/slide20.xml><?xml version="1.0" encoding="utf-8"?>
 <p:sld xmlns:a="http://schemas.openxmlformats.org/drawingml/2006/main" xmlns:r="http://schemas.openxmlformats.org/officeDocument/2006/relationships" xmlns:p="http://schemas.openxmlformats.org/presentationml/2006/main">
   <p:cSld>
     <p:spTree>
@@ -9187,7 +8752,7 @@
 </p:sld>
 </file>
 
-<file path=ppt/slides/slide22.xml><?xml version="1.0" encoding="utf-8"?>
+<file path=ppt/slides/slide21.xml><?xml version="1.0" encoding="utf-8"?>
 <p:sld xmlns:a="http://schemas.openxmlformats.org/drawingml/2006/main" xmlns:r="http://schemas.openxmlformats.org/officeDocument/2006/relationships" xmlns:p="http://schemas.openxmlformats.org/presentationml/2006/main">
   <p:cSld>
     <p:spTree>
@@ -9351,6 +8916,142 @@
 </p:sld>
 </file>
 
+<file path=ppt/slides/slide22.xml><?xml version="1.0" encoding="utf-8"?>
+<p:sld xmlns:a="http://schemas.openxmlformats.org/drawingml/2006/main" xmlns:r="http://schemas.openxmlformats.org/officeDocument/2006/relationships" xmlns:p="http://schemas.openxmlformats.org/presentationml/2006/main">
+  <p:cSld>
+    <p:spTree>
+      <p:nvGrpSpPr>
+        <p:cNvPr id="1" name=""/>
+        <p:cNvGrpSpPr/>
+        <p:nvPr/>
+      </p:nvGrpSpPr>
+      <p:grpSpPr>
+        <a:xfrm>
+          <a:off x="0" y="0"/>
+          <a:ext cx="0" cy="0"/>
+          <a:chOff x="0" y="0"/>
+          <a:chExt cx="0" cy="0"/>
+        </a:xfrm>
+      </p:grpSpPr>
+      <p:sp>
+        <p:nvSpPr>
+          <p:cNvPr id="3" name="Rectangle 2">
+            <a:extLst>
+              <a:ext uri="{FF2B5EF4-FFF2-40B4-BE49-F238E27FC236}">
+                <a16:creationId xmlns:a16="http://schemas.microsoft.com/office/drawing/2014/main" id="{57A45BFE-9205-F748-83FA-26DC6F4EB57E}"/>
+              </a:ext>
+            </a:extLst>
+          </p:cNvPr>
+          <p:cNvSpPr/>
+          <p:nvPr/>
+        </p:nvSpPr>
+        <p:spPr>
+          <a:xfrm>
+            <a:off x="3639076" y="819186"/>
+            <a:ext cx="3706015" cy="461665"/>
+          </a:xfrm>
+          <a:prstGeom prst="rect">
+            <a:avLst/>
+          </a:prstGeom>
+        </p:spPr>
+        <p:txBody>
+          <a:bodyPr wrap="none">
+            <a:spAutoFit/>
+          </a:bodyPr>
+          <a:lstStyle/>
+          <a:p>
+            <a:r>
+              <a:rPr lang="en-GB" sz="2400" b="1"/>
+              <a:t>Rule 5 - Make it rectangular</a:t>
+            </a:r>
+          </a:p>
+        </p:txBody>
+      </p:sp>
+      <p:pic>
+        <p:nvPicPr>
+          <p:cNvPr id="5" name="Picture 4">
+            <a:extLst>
+              <a:ext uri="{FF2B5EF4-FFF2-40B4-BE49-F238E27FC236}">
+                <a16:creationId xmlns:a16="http://schemas.microsoft.com/office/drawing/2014/main" id="{0B21C5E0-ADB6-5D40-B3B8-594900758FA7}"/>
+              </a:ext>
+            </a:extLst>
+          </p:cNvPr>
+          <p:cNvPicPr>
+            <a:picLocks noChangeAspect="1"/>
+          </p:cNvPicPr>
+          <p:nvPr/>
+        </p:nvPicPr>
+        <p:blipFill>
+          <a:blip r:embed="rId2">
+            <a:extLst>
+              <a:ext uri="{28A0092B-C50C-407E-A947-70E740481C1C}">
+                <a14:useLocalDpi xmlns:a14="http://schemas.microsoft.com/office/drawing/2010/main" val="0"/>
+              </a:ext>
+            </a:extLst>
+          </a:blip>
+          <a:stretch>
+            <a:fillRect/>
+          </a:stretch>
+        </p:blipFill>
+        <p:spPr>
+          <a:xfrm>
+            <a:off x="2159000" y="1858617"/>
+            <a:ext cx="7874000" cy="2133600"/>
+          </a:xfrm>
+          <a:prstGeom prst="rect">
+            <a:avLst/>
+          </a:prstGeom>
+        </p:spPr>
+      </p:pic>
+      <p:pic>
+        <p:nvPicPr>
+          <p:cNvPr id="8" name="Picture 7">
+            <a:extLst>
+              <a:ext uri="{FF2B5EF4-FFF2-40B4-BE49-F238E27FC236}">
+                <a16:creationId xmlns:a16="http://schemas.microsoft.com/office/drawing/2014/main" id="{A6066FC0-3B91-E142-BF0E-2D9D451C8003}"/>
+              </a:ext>
+            </a:extLst>
+          </p:cNvPr>
+          <p:cNvPicPr>
+            <a:picLocks noChangeAspect="1"/>
+          </p:cNvPicPr>
+          <p:nvPr/>
+        </p:nvPicPr>
+        <p:blipFill>
+          <a:blip r:embed="rId3">
+            <a:extLst>
+              <a:ext uri="{28A0092B-C50C-407E-A947-70E740481C1C}">
+                <a14:useLocalDpi xmlns:a14="http://schemas.microsoft.com/office/drawing/2010/main" val="0"/>
+              </a:ext>
+            </a:extLst>
+          </a:blip>
+          <a:stretch>
+            <a:fillRect/>
+          </a:stretch>
+        </p:blipFill>
+        <p:spPr>
+          <a:xfrm>
+            <a:off x="355876" y="5774911"/>
+            <a:ext cx="3283200" cy="720058"/>
+          </a:xfrm>
+          <a:prstGeom prst="rect">
+            <a:avLst/>
+          </a:prstGeom>
+        </p:spPr>
+      </p:pic>
+    </p:spTree>
+    <p:extLst>
+      <p:ext uri="{BB962C8B-B14F-4D97-AF65-F5344CB8AC3E}">
+        <p14:creationId xmlns:p14="http://schemas.microsoft.com/office/powerpoint/2010/main" val="1347850894"/>
+      </p:ext>
+    </p:extLst>
+  </p:cSld>
+  <p:clrMapOvr>
+    <a:masterClrMapping/>
+  </p:clrMapOvr>
+</p:sld>
+</file>
+
 <file path=ppt/slides/slide23.xml><?xml version="1.0" encoding="utf-8"?>
 <p:sld xmlns:a="http://schemas.openxmlformats.org/drawingml/2006/main" xmlns:r="http://schemas.openxmlformats.org/officeDocument/2006/relationships" xmlns:p="http://schemas.openxmlformats.org/presentationml/2006/main">
   <p:cSld>
@@ -9370,10 +9071,10 @@
       </p:grpSpPr>
       <p:sp>
         <p:nvSpPr>
-          <p:cNvPr id="3" name="Rectangle 2">
-            <a:extLst>
-              <a:ext uri="{FF2B5EF4-FFF2-40B4-BE49-F238E27FC236}">
-                <a16:creationId xmlns:a16="http://schemas.microsoft.com/office/drawing/2014/main" id="{57A45BFE-9205-F748-83FA-26DC6F4EB57E}"/>
+          <p:cNvPr id="2" name="Rectangle 1">
+            <a:extLst>
+              <a:ext uri="{FF2B5EF4-FFF2-40B4-BE49-F238E27FC236}">
+                <a16:creationId xmlns:a16="http://schemas.microsoft.com/office/drawing/2014/main" id="{126262B6-E702-B746-84FF-E58D750EA178}"/>
               </a:ext>
             </a:extLst>
           </p:cNvPr>
@@ -9382,7 +9083,7 @@
         </p:nvSpPr>
         <p:spPr>
           <a:xfrm>
-            <a:off x="3639076" y="819186"/>
+            <a:off x="3307666" y="607152"/>
             <a:ext cx="3706015" cy="461665"/>
           </a:xfrm>
           <a:prstGeom prst="rect">
@@ -9396,7 +9097,7 @@
           <a:lstStyle/>
           <a:p>
             <a:r>
-              <a:rPr lang="en-GB" sz="2400" b="1"/>
+              <a:rPr lang="en-GB" sz="2400" b="1" dirty="0"/>
               <a:t>Rule 5 - Make it rectangular</a:t>
             </a:r>
           </a:p>
@@ -9404,10 +9105,10 @@
       </p:sp>
       <p:pic>
         <p:nvPicPr>
-          <p:cNvPr id="5" name="Picture 4">
-            <a:extLst>
-              <a:ext uri="{FF2B5EF4-FFF2-40B4-BE49-F238E27FC236}">
-                <a16:creationId xmlns:a16="http://schemas.microsoft.com/office/drawing/2014/main" id="{0B21C5E0-ADB6-5D40-B3B8-594900758FA7}"/>
+          <p:cNvPr id="4" name="Picture 3">
+            <a:extLst>
+              <a:ext uri="{FF2B5EF4-FFF2-40B4-BE49-F238E27FC236}">
+                <a16:creationId xmlns:a16="http://schemas.microsoft.com/office/drawing/2014/main" id="{DFDC1E1C-CD82-3E43-BFF6-BC18421DEBA7}"/>
               </a:ext>
             </a:extLst>
           </p:cNvPr>
@@ -9430,8 +9131,8 @@
         </p:blipFill>
         <p:spPr>
           <a:xfrm>
-            <a:off x="2159000" y="1858617"/>
-            <a:ext cx="7874000" cy="2133600"/>
+            <a:off x="3457015" y="1155189"/>
+            <a:ext cx="5156200" cy="4483100"/>
           </a:xfrm>
           <a:prstGeom prst="rect">
             <a:avLst/>
@@ -9440,10 +9141,10 @@
       </p:pic>
       <p:pic>
         <p:nvPicPr>
-          <p:cNvPr id="8" name="Picture 7">
-            <a:extLst>
-              <a:ext uri="{FF2B5EF4-FFF2-40B4-BE49-F238E27FC236}">
-                <a16:creationId xmlns:a16="http://schemas.microsoft.com/office/drawing/2014/main" id="{A6066FC0-3B91-E142-BF0E-2D9D451C8003}"/>
+          <p:cNvPr id="5" name="Picture 4">
+            <a:extLst>
+              <a:ext uri="{FF2B5EF4-FFF2-40B4-BE49-F238E27FC236}">
+                <a16:creationId xmlns:a16="http://schemas.microsoft.com/office/drawing/2014/main" id="{9BEA6493-13E7-C345-AAA0-989A0A6D1C01}"/>
               </a:ext>
             </a:extLst>
           </p:cNvPr>
@@ -9466,7 +9167,7 @@
         </p:blipFill>
         <p:spPr>
           <a:xfrm>
-            <a:off x="355876" y="5774911"/>
+            <a:off x="355876" y="5761659"/>
             <a:ext cx="3283200" cy="720058"/>
           </a:xfrm>
           <a:prstGeom prst="rect">
@@ -9477,7 +9178,7 @@
     </p:spTree>
     <p:extLst>
       <p:ext uri="{BB962C8B-B14F-4D97-AF65-F5344CB8AC3E}">
-        <p14:creationId xmlns:p14="http://schemas.microsoft.com/office/powerpoint/2010/main" val="1347850894"/>
+        <p14:creationId xmlns:p14="http://schemas.microsoft.com/office/powerpoint/2010/main" val="701703112"/>
       </p:ext>
     </p:extLst>
   </p:cSld>
@@ -9509,7 +9210,7 @@
           <p:cNvPr id="2" name="Rectangle 1">
             <a:extLst>
               <a:ext uri="{FF2B5EF4-FFF2-40B4-BE49-F238E27FC236}">
-                <a16:creationId xmlns:a16="http://schemas.microsoft.com/office/drawing/2014/main" id="{126262B6-E702-B746-84FF-E58D750EA178}"/>
+                <a16:creationId xmlns:a16="http://schemas.microsoft.com/office/drawing/2014/main" id="{B7AF1672-3882-7643-83F8-2D738E40BC1F}"/>
               </a:ext>
             </a:extLst>
           </p:cNvPr>
@@ -9518,68 +9219,95 @@
         </p:nvSpPr>
         <p:spPr>
           <a:xfrm>
-            <a:off x="3307666" y="607152"/>
-            <a:ext cx="3706015" cy="461665"/>
+            <a:off x="1626416" y="366526"/>
+            <a:ext cx="8865704" cy="2677656"/>
           </a:xfrm>
           <a:prstGeom prst="rect">
             <a:avLst/>
           </a:prstGeom>
         </p:spPr>
         <p:txBody>
-          <a:bodyPr wrap="none">
+          <a:bodyPr wrap="square">
             <a:spAutoFit/>
           </a:bodyPr>
           <a:lstStyle/>
           <a:p>
             <a:r>
-              <a:rPr lang="en-GB" sz="2400" b="1" dirty="0"/>
-              <a:t>Rule 5 - Make it rectangular</a:t>
+              <a:rPr lang="en-GB" sz="2400" b="1"/>
+              <a:t>More</a:t>
+            </a:r>
+          </a:p>
+          <a:p>
+            <a:pPr>
+              <a:buFont typeface="Arial" panose="020B0604020202020204" pitchFamily="34" charset="0"/>
+              <a:buChar char="•"/>
+            </a:pPr>
+            <a:r>
+              <a:rPr lang="en-GB" sz="2400"/>
+              <a:t>Don’t put too much information in one cell</a:t>
+            </a:r>
+          </a:p>
+          <a:p>
+            <a:pPr marL="742950" lvl="1" indent="-285750">
+              <a:buFont typeface="Arial" panose="020B0604020202020204" pitchFamily="34" charset="0"/>
+              <a:buChar char="•"/>
+            </a:pPr>
+            <a:r>
+              <a:rPr lang="en-GB" sz="2400"/>
+              <a:t>1 cell = 1 piece of information</a:t>
+            </a:r>
+          </a:p>
+          <a:p>
+            <a:pPr>
+              <a:buFont typeface="Arial" panose="020B0604020202020204" pitchFamily="34" charset="0"/>
+              <a:buChar char="•"/>
+            </a:pPr>
+            <a:r>
+              <a:rPr lang="en-GB" sz="2400"/>
+              <a:t>Don’t include units such as "30 g" → "g" in the column name</a:t>
+            </a:r>
+          </a:p>
+          <a:p>
+            <a:pPr marL="742950" lvl="1" indent="-285750">
+              <a:buFont typeface="Arial" panose="020B0604020202020204" pitchFamily="34" charset="0"/>
+              <a:buChar char="•"/>
+            </a:pPr>
+            <a:r>
+              <a:rPr lang="en-GB" sz="2400">
+                <a:hlinkClick r:id="rId2"/>
+              </a:rPr>
+              <a:t>http://unitsofmeasure.org/ucum.html</a:t>
+            </a:r>
+            <a:endParaRPr lang="en-GB" sz="2400"/>
+          </a:p>
+          <a:p>
+            <a:pPr>
+              <a:buFont typeface="Arial" panose="020B0604020202020204" pitchFamily="34" charset="0"/>
+              <a:buChar char="•"/>
+            </a:pPr>
+            <a:r>
+              <a:rPr lang="en-GB" sz="2400"/>
+              <a:t>Write notes in a separate column or data dictionary or metadata</a:t>
+            </a:r>
+          </a:p>
+          <a:p>
+            <a:pPr marL="742950" lvl="1" indent="-285750">
+              <a:buFont typeface="Arial" panose="020B0604020202020204" pitchFamily="34" charset="0"/>
+              <a:buChar char="•"/>
+            </a:pPr>
+            <a:r>
+              <a:rPr lang="en-GB" sz="2400"/>
+              <a:t>"0 (below threshold)"</a:t>
             </a:r>
           </a:p>
         </p:txBody>
       </p:sp>
       <p:pic>
         <p:nvPicPr>
-          <p:cNvPr id="4" name="Picture 3">
-            <a:extLst>
-              <a:ext uri="{FF2B5EF4-FFF2-40B4-BE49-F238E27FC236}">
-                <a16:creationId xmlns:a16="http://schemas.microsoft.com/office/drawing/2014/main" id="{DFDC1E1C-CD82-3E43-BFF6-BC18421DEBA7}"/>
-              </a:ext>
-            </a:extLst>
-          </p:cNvPr>
-          <p:cNvPicPr>
-            <a:picLocks noChangeAspect="1"/>
-          </p:cNvPicPr>
-          <p:nvPr/>
-        </p:nvPicPr>
-        <p:blipFill>
-          <a:blip r:embed="rId2">
-            <a:extLst>
-              <a:ext uri="{28A0092B-C50C-407E-A947-70E740481C1C}">
-                <a14:useLocalDpi xmlns:a14="http://schemas.microsoft.com/office/drawing/2010/main" val="0"/>
-              </a:ext>
-            </a:extLst>
-          </a:blip>
-          <a:stretch>
-            <a:fillRect/>
-          </a:stretch>
-        </p:blipFill>
-        <p:spPr>
-          <a:xfrm>
-            <a:off x="3457015" y="1155189"/>
-            <a:ext cx="5156200" cy="4483100"/>
-          </a:xfrm>
-          <a:prstGeom prst="rect">
-            <a:avLst/>
-          </a:prstGeom>
-        </p:spPr>
-      </p:pic>
-      <p:pic>
-        <p:nvPicPr>
-          <p:cNvPr id="5" name="Picture 4">
-            <a:extLst>
-              <a:ext uri="{FF2B5EF4-FFF2-40B4-BE49-F238E27FC236}">
-                <a16:creationId xmlns:a16="http://schemas.microsoft.com/office/drawing/2014/main" id="{9BEA6493-13E7-C345-AAA0-989A0A6D1C01}"/>
+          <p:cNvPr id="3" name="Picture 2">
+            <a:extLst>
+              <a:ext uri="{FF2B5EF4-FFF2-40B4-BE49-F238E27FC236}">
+                <a16:creationId xmlns:a16="http://schemas.microsoft.com/office/drawing/2014/main" id="{933AD232-597D-654E-B9F2-600790401B69}"/>
               </a:ext>
             </a:extLst>
           </p:cNvPr>
@@ -9613,7 +9341,7 @@
     </p:spTree>
     <p:extLst>
       <p:ext uri="{BB962C8B-B14F-4D97-AF65-F5344CB8AC3E}">
-        <p14:creationId xmlns:p14="http://schemas.microsoft.com/office/powerpoint/2010/main" val="701703112"/>
+        <p14:creationId xmlns:p14="http://schemas.microsoft.com/office/powerpoint/2010/main" val="87634875"/>
       </p:ext>
     </p:extLst>
   </p:cSld>
@@ -9655,169 +9383,6 @@
         <p:spPr>
           <a:xfrm>
             <a:off x="1626416" y="366526"/>
-            <a:ext cx="8865704" cy="2677656"/>
-          </a:xfrm>
-          <a:prstGeom prst="rect">
-            <a:avLst/>
-          </a:prstGeom>
-        </p:spPr>
-        <p:txBody>
-          <a:bodyPr wrap="square">
-            <a:spAutoFit/>
-          </a:bodyPr>
-          <a:lstStyle/>
-          <a:p>
-            <a:r>
-              <a:rPr lang="en-GB" sz="2400" b="1"/>
-              <a:t>More</a:t>
-            </a:r>
-          </a:p>
-          <a:p>
-            <a:pPr>
-              <a:buFont typeface="Arial" panose="020B0604020202020204" pitchFamily="34" charset="0"/>
-              <a:buChar char="•"/>
-            </a:pPr>
-            <a:r>
-              <a:rPr lang="en-GB" sz="2400"/>
-              <a:t>Don’t put too much information in one cell</a:t>
-            </a:r>
-          </a:p>
-          <a:p>
-            <a:pPr marL="742950" lvl="1" indent="-285750">
-              <a:buFont typeface="Arial" panose="020B0604020202020204" pitchFamily="34" charset="0"/>
-              <a:buChar char="•"/>
-            </a:pPr>
-            <a:r>
-              <a:rPr lang="en-GB" sz="2400"/>
-              <a:t>1 cell = 1 piece of information</a:t>
-            </a:r>
-          </a:p>
-          <a:p>
-            <a:pPr>
-              <a:buFont typeface="Arial" panose="020B0604020202020204" pitchFamily="34" charset="0"/>
-              <a:buChar char="•"/>
-            </a:pPr>
-            <a:r>
-              <a:rPr lang="en-GB" sz="2400"/>
-              <a:t>Don’t include units such as "30 g" → "g" in the column name</a:t>
-            </a:r>
-          </a:p>
-          <a:p>
-            <a:pPr marL="742950" lvl="1" indent="-285750">
-              <a:buFont typeface="Arial" panose="020B0604020202020204" pitchFamily="34" charset="0"/>
-              <a:buChar char="•"/>
-            </a:pPr>
-            <a:r>
-              <a:rPr lang="en-GB" sz="2400">
-                <a:hlinkClick r:id="rId2"/>
-              </a:rPr>
-              <a:t>http://unitsofmeasure.org/ucum.html</a:t>
-            </a:r>
-            <a:endParaRPr lang="en-GB" sz="2400"/>
-          </a:p>
-          <a:p>
-            <a:pPr>
-              <a:buFont typeface="Arial" panose="020B0604020202020204" pitchFamily="34" charset="0"/>
-              <a:buChar char="•"/>
-            </a:pPr>
-            <a:r>
-              <a:rPr lang="en-GB" sz="2400"/>
-              <a:t>Write notes in a separate column or data dictionary or metadata</a:t>
-            </a:r>
-          </a:p>
-          <a:p>
-            <a:pPr marL="742950" lvl="1" indent="-285750">
-              <a:buFont typeface="Arial" panose="020B0604020202020204" pitchFamily="34" charset="0"/>
-              <a:buChar char="•"/>
-            </a:pPr>
-            <a:r>
-              <a:rPr lang="en-GB" sz="2400"/>
-              <a:t>"0 (below threshold)"</a:t>
-            </a:r>
-          </a:p>
-        </p:txBody>
-      </p:sp>
-      <p:pic>
-        <p:nvPicPr>
-          <p:cNvPr id="3" name="Picture 2">
-            <a:extLst>
-              <a:ext uri="{FF2B5EF4-FFF2-40B4-BE49-F238E27FC236}">
-                <a16:creationId xmlns:a16="http://schemas.microsoft.com/office/drawing/2014/main" id="{933AD232-597D-654E-B9F2-600790401B69}"/>
-              </a:ext>
-            </a:extLst>
-          </p:cNvPr>
-          <p:cNvPicPr>
-            <a:picLocks noChangeAspect="1"/>
-          </p:cNvPicPr>
-          <p:nvPr/>
-        </p:nvPicPr>
-        <p:blipFill>
-          <a:blip r:embed="rId3">
-            <a:extLst>
-              <a:ext uri="{28A0092B-C50C-407E-A947-70E740481C1C}">
-                <a14:useLocalDpi xmlns:a14="http://schemas.microsoft.com/office/drawing/2010/main" val="0"/>
-              </a:ext>
-            </a:extLst>
-          </a:blip>
-          <a:stretch>
-            <a:fillRect/>
-          </a:stretch>
-        </p:blipFill>
-        <p:spPr>
-          <a:xfrm>
-            <a:off x="355876" y="5761659"/>
-            <a:ext cx="3283200" cy="720058"/>
-          </a:xfrm>
-          <a:prstGeom prst="rect">
-            <a:avLst/>
-          </a:prstGeom>
-        </p:spPr>
-      </p:pic>
-    </p:spTree>
-    <p:extLst>
-      <p:ext uri="{BB962C8B-B14F-4D97-AF65-F5344CB8AC3E}">
-        <p14:creationId xmlns:p14="http://schemas.microsoft.com/office/powerpoint/2010/main" val="87634875"/>
-      </p:ext>
-    </p:extLst>
-  </p:cSld>
-  <p:clrMapOvr>
-    <a:masterClrMapping/>
-  </p:clrMapOvr>
-</p:sld>
-</file>
-
-<file path=ppt/slides/slide26.xml><?xml version="1.0" encoding="utf-8"?>
-<p:sld xmlns:a="http://schemas.openxmlformats.org/drawingml/2006/main" xmlns:r="http://schemas.openxmlformats.org/officeDocument/2006/relationships" xmlns:p="http://schemas.openxmlformats.org/presentationml/2006/main">
-  <p:cSld>
-    <p:spTree>
-      <p:nvGrpSpPr>
-        <p:cNvPr id="1" name=""/>
-        <p:cNvGrpSpPr/>
-        <p:nvPr/>
-      </p:nvGrpSpPr>
-      <p:grpSpPr>
-        <a:xfrm>
-          <a:off x="0" y="0"/>
-          <a:ext cx="0" cy="0"/>
-          <a:chOff x="0" y="0"/>
-          <a:chExt cx="0" cy="0"/>
-        </a:xfrm>
-      </p:grpSpPr>
-      <p:sp>
-        <p:nvSpPr>
-          <p:cNvPr id="2" name="Rectangle 1">
-            <a:extLst>
-              <a:ext uri="{FF2B5EF4-FFF2-40B4-BE49-F238E27FC236}">
-                <a16:creationId xmlns:a16="http://schemas.microsoft.com/office/drawing/2014/main" id="{B7AF1672-3882-7643-83F8-2D738E40BC1F}"/>
-              </a:ext>
-            </a:extLst>
-          </p:cNvPr>
-          <p:cNvSpPr/>
-          <p:nvPr/>
-        </p:nvSpPr>
-        <p:spPr>
-          <a:xfrm>
-            <a:off x="1626416" y="366526"/>
             <a:ext cx="8865704" cy="5262979"/>
           </a:xfrm>
           <a:prstGeom prst="rect">
@@ -10009,7 +9574,7 @@
 </p:sld>
 </file>
 
-<file path=ppt/slides/slide27.xml><?xml version="1.0" encoding="utf-8"?>
+<file path=ppt/slides/slide26.xml><?xml version="1.0" encoding="utf-8"?>
 <p:sld xmlns:a="http://schemas.openxmlformats.org/drawingml/2006/main" xmlns:r="http://schemas.openxmlformats.org/officeDocument/2006/relationships" xmlns:p="http://schemas.openxmlformats.org/presentationml/2006/main">
   <p:cSld>
     <p:spTree>
@@ -10206,7 +9771,7 @@
 </p:sld>
 </file>
 
-<file path=ppt/slides/slide28.xml><?xml version="1.0" encoding="utf-8"?>
+<file path=ppt/slides/slide27.xml><?xml version="1.0" encoding="utf-8"?>
 <p:sld xmlns:a="http://schemas.openxmlformats.org/drawingml/2006/main" xmlns:r="http://schemas.openxmlformats.org/officeDocument/2006/relationships" xmlns:p="http://schemas.openxmlformats.org/presentationml/2006/main">
   <p:cSld>
     <p:spTree>
@@ -10462,7 +10027,7 @@
 </p:sld>
 </file>
 
-<file path=ppt/slides/slide29.xml><?xml version="1.0" encoding="utf-8"?>
+<file path=ppt/slides/slide28.xml><?xml version="1.0" encoding="utf-8"?>
 <p:sld xmlns:a="http://schemas.openxmlformats.org/drawingml/2006/main" xmlns:r="http://schemas.openxmlformats.org/officeDocument/2006/relationships" xmlns:p="http://schemas.openxmlformats.org/presentationml/2006/main">
   <p:cSld>
     <p:spTree>
@@ -10678,6 +10243,36 @@
 </p:sld>
 </file>
 
+<file path=ppt/slides/slide29.xml><?xml version="1.0" encoding="utf-8"?>
+<p:sld xmlns:a="http://schemas.openxmlformats.org/drawingml/2006/main" xmlns:r="http://schemas.openxmlformats.org/officeDocument/2006/relationships" xmlns:p="http://schemas.openxmlformats.org/presentationml/2006/main">
+  <p:cSld>
+    <p:spTree>
+      <p:nvGrpSpPr>
+        <p:cNvPr id="1" name=""/>
+        <p:cNvGrpSpPr/>
+        <p:nvPr/>
+      </p:nvGrpSpPr>
+      <p:grpSpPr>
+        <a:xfrm>
+          <a:off x="0" y="0"/>
+          <a:ext cx="0" cy="0"/>
+          <a:chOff x="0" y="0"/>
+          <a:chExt cx="0" cy="0"/>
+        </a:xfrm>
+      </p:grpSpPr>
+    </p:spTree>
+    <p:extLst>
+      <p:ext uri="{BB962C8B-B14F-4D97-AF65-F5344CB8AC3E}">
+        <p14:creationId xmlns:p14="http://schemas.microsoft.com/office/powerpoint/2010/main" val="2228676957"/>
+      </p:ext>
+    </p:extLst>
+  </p:cSld>
+  <p:clrMapOvr>
+    <a:masterClrMapping/>
+  </p:clrMapOvr>
+</p:sld>
+</file>
+
 <file path=ppt/slides/slide3.xml><?xml version="1.0" encoding="utf-8"?>
 <p:sld xmlns:a="http://schemas.openxmlformats.org/drawingml/2006/main" xmlns:r="http://schemas.openxmlformats.org/officeDocument/2006/relationships" xmlns:p="http://schemas.openxmlformats.org/presentationml/2006/main">
   <p:cSld>
@@ -10697,10 +10292,10 @@
       </p:grpSpPr>
       <p:sp>
         <p:nvSpPr>
-          <p:cNvPr id="2" name="Rectangle 1">
-            <a:extLst>
-              <a:ext uri="{FF2B5EF4-FFF2-40B4-BE49-F238E27FC236}">
-                <a16:creationId xmlns:a16="http://schemas.microsoft.com/office/drawing/2014/main" id="{B08FDF18-1896-954A-8E9F-5113A08F82F5}"/>
+          <p:cNvPr id="5" name="Rectangle 4">
+            <a:extLst>
+              <a:ext uri="{FF2B5EF4-FFF2-40B4-BE49-F238E27FC236}">
+                <a16:creationId xmlns:a16="http://schemas.microsoft.com/office/drawing/2014/main" id="{AB5B77BA-E458-2D47-8FD4-BEC6871059F8}"/>
               </a:ext>
             </a:extLst>
           </p:cNvPr>
@@ -10709,8 +10304,8 @@
         </p:nvSpPr>
         <p:spPr>
           <a:xfrm>
-            <a:off x="1683024" y="1316001"/>
-            <a:ext cx="9316279" cy="3785652"/>
+            <a:off x="1789043" y="907270"/>
+            <a:ext cx="8481391" cy="1569660"/>
           </a:xfrm>
           <a:prstGeom prst="rect">
             <a:avLst/>
@@ -10724,7 +10319,7 @@
           <a:p>
             <a:r>
               <a:rPr lang="en-GB" sz="2400" b="1" dirty="0"/>
-              <a:t>Reproducible Research</a:t>
+              <a:t>Five selfish reasons</a:t>
             </a:r>
           </a:p>
           <a:p>
@@ -10734,26 +10329,16 @@
             </a:pPr>
             <a:r>
               <a:rPr lang="en-GB" sz="2400" dirty="0"/>
-              <a:t>At some point in the future, someone, somewhere, might want to repeat your analysis for themselves or re-use your data.</a:t>
-            </a:r>
-          </a:p>
-          <a:p>
-            <a:pPr marL="742950" lvl="1" indent="-285750">
-              <a:buFont typeface="Arial" panose="020B0604020202020204" pitchFamily="34" charset="0"/>
-              <a:buChar char="•"/>
-            </a:pPr>
-            <a:r>
-              <a:rPr lang="en-GB" sz="2400" dirty="0"/>
-              <a:t>which will most likely be </a:t>
-            </a:r>
-            <a:r>
-              <a:rPr lang="en-GB" sz="2400" b="1" i="1" dirty="0"/>
-              <a:t>you!</a:t>
-            </a:r>
-            <a:br>
-              <a:rPr lang="en-GB" sz="2400" b="1" i="1" dirty="0"/>
-            </a:br>
-            <a:endParaRPr lang="en-GB" sz="2400" dirty="0"/>
+              <a:t>Florian </a:t>
+            </a:r>
+            <a:r>
+              <a:rPr lang="en-GB" sz="2400" dirty="0" err="1"/>
+              <a:t>Markowetz</a:t>
+            </a:r>
+            <a:r>
+              <a:rPr lang="en-GB" sz="2400"/>
+              <a:t> has a great talk on why we should work reproducibly</a:t>
+            </a:r>
           </a:p>
           <a:p>
             <a:pPr>
@@ -10761,32 +10346,75 @@
               <a:buChar char="•"/>
             </a:pPr>
             <a:r>
-              <a:rPr lang="en-GB" sz="2400" dirty="0"/>
-              <a:t>Assuming that you'll be able to remember all the steps involved is dangerous, so making sure that everything is well-documented is key.</a:t>
-            </a:r>
-            <a:br>
-              <a:rPr lang="en-GB" sz="2400" dirty="0"/>
-            </a:br>
-            <a:endParaRPr lang="en-GB" sz="2400" dirty="0"/>
-          </a:p>
-          <a:p>
-            <a:pPr>
-              <a:buFont typeface="Arial" panose="020B0604020202020204" pitchFamily="34" charset="0"/>
-              <a:buChar char="•"/>
-            </a:pPr>
-            <a:r>
-              <a:rPr lang="en-GB" sz="2400" dirty="0"/>
-              <a:t>The documentation involves not only the methods used, but the files used as input and any transformations performed on them.</a:t>
+              <a:rPr lang="en-GB" sz="2400"/>
+              <a:t>There is a </a:t>
+            </a:r>
+            <a:r>
+              <a:rPr lang="en-GB" sz="2400">
+                <a:hlinkClick r:id="rId2"/>
+              </a:rPr>
+              <a:t>Genome Biology paper</a:t>
+            </a:r>
+            <a:r>
+              <a:rPr lang="en-GB" sz="2400"/>
+              <a:t> that you should read.</a:t>
             </a:r>
           </a:p>
         </p:txBody>
       </p:sp>
       <p:pic>
         <p:nvPicPr>
-          <p:cNvPr id="3" name="Picture 2">
-            <a:extLst>
-              <a:ext uri="{FF2B5EF4-FFF2-40B4-BE49-F238E27FC236}">
-                <a16:creationId xmlns:a16="http://schemas.microsoft.com/office/drawing/2014/main" id="{2689A52C-0BFB-844F-A22B-A5DBEECF4667}"/>
+          <p:cNvPr id="2056" name="Picture 8" descr="https://datachampcam.github.io/data-formatting/images/selfish-reasons.png">
+            <a:extLst>
+              <a:ext uri="{FF2B5EF4-FFF2-40B4-BE49-F238E27FC236}">
+                <a16:creationId xmlns:a16="http://schemas.microsoft.com/office/drawing/2014/main" id="{053E13F7-D9FA-F343-9D15-B43F80572460}"/>
+              </a:ext>
+            </a:extLst>
+          </p:cNvPr>
+          <p:cNvPicPr>
+            <a:picLocks noChangeAspect="1" noChangeArrowheads="1"/>
+          </p:cNvPicPr>
+          <p:nvPr/>
+        </p:nvPicPr>
+        <p:blipFill>
+          <a:blip r:embed="rId3">
+            <a:extLst>
+              <a:ext uri="{28A0092B-C50C-407E-A947-70E740481C1C}">
+                <a14:useLocalDpi xmlns:a14="http://schemas.microsoft.com/office/drawing/2010/main" val="0"/>
+              </a:ext>
+            </a:extLst>
+          </a:blip>
+          <a:srcRect/>
+          <a:stretch>
+            <a:fillRect/>
+          </a:stretch>
+        </p:blipFill>
+        <p:spPr bwMode="auto">
+          <a:xfrm>
+            <a:off x="4028659" y="2476930"/>
+            <a:ext cx="7158659" cy="4031327"/>
+          </a:xfrm>
+          <a:prstGeom prst="rect">
+            <a:avLst/>
+          </a:prstGeom>
+          <a:noFill/>
+          <a:extLst>
+            <a:ext uri="{909E8E84-426E-40DD-AFC4-6F175D3DCCD1}">
+              <a14:hiddenFill xmlns:a14="http://schemas.microsoft.com/office/drawing/2010/main">
+                <a:solidFill>
+                  <a:srgbClr val="FFFFFF"/>
+                </a:solidFill>
+              </a14:hiddenFill>
+            </a:ext>
+          </a:extLst>
+        </p:spPr>
+      </p:pic>
+      <p:pic>
+        <p:nvPicPr>
+          <p:cNvPr id="4" name="Picture 3">
+            <a:extLst>
+              <a:ext uri="{FF2B5EF4-FFF2-40B4-BE49-F238E27FC236}">
+                <a16:creationId xmlns:a16="http://schemas.microsoft.com/office/drawing/2014/main" id="{062CA0CC-D083-5542-8558-3B4C1B988EFF}"/>
               </a:ext>
             </a:extLst>
           </p:cNvPr>
@@ -10796,7 +10424,7 @@
           <p:nvPr/>
         </p:nvPicPr>
         <p:blipFill>
-          <a:blip r:embed="rId2">
+          <a:blip r:embed="rId4">
             <a:extLst>
               <a:ext uri="{28A0092B-C50C-407E-A947-70E740481C1C}">
                 <a14:useLocalDpi xmlns:a14="http://schemas.microsoft.com/office/drawing/2010/main" val="0"/>
@@ -10820,7 +10448,7 @@
     </p:spTree>
     <p:extLst>
       <p:ext uri="{BB962C8B-B14F-4D97-AF65-F5344CB8AC3E}">
-        <p14:creationId xmlns:p14="http://schemas.microsoft.com/office/powerpoint/2010/main" val="2492027165"/>
+        <p14:creationId xmlns:p14="http://schemas.microsoft.com/office/powerpoint/2010/main" val="3324030898"/>
       </p:ext>
     </p:extLst>
   </p:cSld>
@@ -11125,10 +10753,10 @@
       </p:grpSpPr>
       <p:sp>
         <p:nvSpPr>
-          <p:cNvPr id="5" name="Rectangle 4">
-            <a:extLst>
-              <a:ext uri="{FF2B5EF4-FFF2-40B4-BE49-F238E27FC236}">
-                <a16:creationId xmlns:a16="http://schemas.microsoft.com/office/drawing/2014/main" id="{AB5B77BA-E458-2D47-8FD4-BEC6871059F8}"/>
+          <p:cNvPr id="6" name="Rectangle 5">
+            <a:extLst>
+              <a:ext uri="{FF2B5EF4-FFF2-40B4-BE49-F238E27FC236}">
+                <a16:creationId xmlns:a16="http://schemas.microsoft.com/office/drawing/2014/main" id="{EF2D139D-EECD-E549-8928-6723261A3260}"/>
               </a:ext>
             </a:extLst>
           </p:cNvPr>
@@ -11137,8 +10765,8 @@
         </p:nvSpPr>
         <p:spPr>
           <a:xfrm>
-            <a:off x="1789043" y="907270"/>
-            <a:ext cx="8481391" cy="1569660"/>
+            <a:off x="1789041" y="835032"/>
+            <a:ext cx="8428383" cy="3785652"/>
           </a:xfrm>
           <a:prstGeom prst="rect">
             <a:avLst/>
@@ -11152,7 +10780,7 @@
           <a:p>
             <a:r>
               <a:rPr lang="en-GB" sz="2400" b="1" dirty="0"/>
-              <a:t>Five selfish reasons</a:t>
+              <a:t>A famous example</a:t>
             </a:r>
           </a:p>
           <a:p>
@@ -11162,16 +10790,26 @@
             </a:pPr>
             <a:r>
               <a:rPr lang="en-GB" sz="2400" dirty="0"/>
-              <a:t>Florian </a:t>
-            </a:r>
-            <a:r>
-              <a:rPr lang="en-GB" sz="2400" dirty="0" err="1"/>
-              <a:t>Markowetz</a:t>
-            </a:r>
-            <a:r>
-              <a:rPr lang="en-GB" sz="2400"/>
-              <a:t> has a great talk on why we should work reproducibly</a:t>
-            </a:r>
+              <a:t>Probably the most (in)famous example of failure to reproduce a study, which actually </a:t>
+            </a:r>
+            <a:r>
+              <a:rPr lang="en-GB" sz="2400" i="1" dirty="0"/>
+              <a:t>put people's lives at risk </a:t>
+            </a:r>
+            <a:r>
+              <a:rPr lang="en-GB" sz="2400" dirty="0"/>
+              <a:t>and </a:t>
+            </a:r>
+            <a:r>
+              <a:rPr lang="en-GB" sz="2400" dirty="0">
+                <a:hlinkClick r:id="rId2"/>
+              </a:rPr>
+              <a:t>rallied statisticians into action</a:t>
+            </a:r>
+            <a:endParaRPr lang="en-GB" sz="2400" dirty="0"/>
+          </a:p>
+          <a:p>
+            <a:endParaRPr lang="en-GB" sz="2400" dirty="0"/>
           </a:p>
           <a:p>
             <a:pPr>
@@ -11179,75 +10817,81 @@
               <a:buChar char="•"/>
             </a:pPr>
             <a:r>
-              <a:rPr lang="en-GB" sz="2400"/>
-              <a:t>There is a </a:t>
-            </a:r>
-            <a:r>
-              <a:rPr lang="en-GB" sz="2400">
-                <a:hlinkClick r:id="rId2"/>
+              <a:rPr lang="en-GB" sz="2400" dirty="0"/>
+              <a:t>Keith </a:t>
+            </a:r>
+            <a:r>
+              <a:rPr lang="en-GB" sz="2400" dirty="0" err="1"/>
+              <a:t>Baggerly's</a:t>
+            </a:r>
+            <a:r>
+              <a:rPr lang="en-GB" sz="2400" dirty="0"/>
+              <a:t> lecture on the scandal is a </a:t>
+            </a:r>
+            <a:r>
+              <a:rPr lang="en-GB" sz="2400" b="1" i="1" dirty="0"/>
+              <a:t>must-see</a:t>
+            </a:r>
+            <a:r>
+              <a:rPr lang="en-GB" sz="2400" dirty="0"/>
+              <a:t>.</a:t>
+            </a:r>
+            <a:br>
+              <a:rPr lang="en-GB" sz="2400" dirty="0"/>
+            </a:br>
+            <a:r>
+              <a:rPr lang="en-GB" sz="2400" dirty="0">
+                <a:hlinkClick r:id="rId3"/>
               </a:rPr>
-              <a:t>Genome Biology paper</a:t>
-            </a:r>
-            <a:r>
-              <a:rPr lang="en-GB" sz="2400"/>
-              <a:t> that you should read.</a:t>
+              <a:t>https://www.youtube.com/watch?v=7gYIs7uYbMo</a:t>
+            </a:r>
+            <a:r>
+              <a:rPr lang="en-GB" sz="2400" dirty="0"/>
+              <a:t> </a:t>
+            </a:r>
+          </a:p>
+          <a:p>
+            <a:pPr>
+              <a:buFont typeface="Arial" panose="020B0604020202020204" pitchFamily="34" charset="0"/>
+              <a:buChar char="•"/>
+            </a:pPr>
+            <a:endParaRPr lang="en-GB" sz="2400" dirty="0"/>
+          </a:p>
+          <a:p>
+            <a:pPr>
+              <a:buFont typeface="Arial" panose="020B0604020202020204" pitchFamily="34" charset="0"/>
+              <a:buChar char="•"/>
+            </a:pPr>
+            <a:r>
+              <a:rPr lang="en-GB" sz="2400" dirty="0"/>
+              <a:t> If that wasn’t enough to give you sleepless nights –</a:t>
+            </a:r>
+            <a:br>
+              <a:rPr lang="en-GB" sz="2400" dirty="0"/>
+            </a:br>
+            <a:r>
+              <a:rPr lang="en-GB" sz="2400" dirty="0"/>
+              <a:t>Visit </a:t>
+            </a:r>
+            <a:r>
+              <a:rPr lang="en-GB" sz="2400" dirty="0">
+                <a:hlinkClick r:id="rId4"/>
+              </a:rPr>
+              <a:t>http://retractionwatch.com</a:t>
+            </a:r>
+            <a:r>
+              <a:rPr lang="en-GB" sz="2400" dirty="0"/>
+              <a:t> </a:t>
             </a:r>
           </a:p>
         </p:txBody>
       </p:sp>
       <p:pic>
         <p:nvPicPr>
-          <p:cNvPr id="2056" name="Picture 8" descr="https://datachampcam.github.io/data-formatting/images/selfish-reasons.png">
-            <a:extLst>
-              <a:ext uri="{FF2B5EF4-FFF2-40B4-BE49-F238E27FC236}">
-                <a16:creationId xmlns:a16="http://schemas.microsoft.com/office/drawing/2014/main" id="{053E13F7-D9FA-F343-9D15-B43F80572460}"/>
-              </a:ext>
-            </a:extLst>
-          </p:cNvPr>
-          <p:cNvPicPr>
-            <a:picLocks noChangeAspect="1" noChangeArrowheads="1"/>
-          </p:cNvPicPr>
-          <p:nvPr/>
-        </p:nvPicPr>
-        <p:blipFill>
-          <a:blip r:embed="rId3">
-            <a:extLst>
-              <a:ext uri="{28A0092B-C50C-407E-A947-70E740481C1C}">
-                <a14:useLocalDpi xmlns:a14="http://schemas.microsoft.com/office/drawing/2010/main" val="0"/>
-              </a:ext>
-            </a:extLst>
-          </a:blip>
-          <a:srcRect/>
-          <a:stretch>
-            <a:fillRect/>
-          </a:stretch>
-        </p:blipFill>
-        <p:spPr bwMode="auto">
-          <a:xfrm>
-            <a:off x="4028659" y="2476930"/>
-            <a:ext cx="7158659" cy="4031327"/>
-          </a:xfrm>
-          <a:prstGeom prst="rect">
-            <a:avLst/>
-          </a:prstGeom>
-          <a:noFill/>
-          <a:extLst>
-            <a:ext uri="{909E8E84-426E-40DD-AFC4-6F175D3DCCD1}">
-              <a14:hiddenFill xmlns:a14="http://schemas.microsoft.com/office/drawing/2010/main">
-                <a:solidFill>
-                  <a:srgbClr val="FFFFFF"/>
-                </a:solidFill>
-              </a14:hiddenFill>
-            </a:ext>
-          </a:extLst>
-        </p:spPr>
-      </p:pic>
-      <p:pic>
-        <p:nvPicPr>
-          <p:cNvPr id="4" name="Picture 3">
-            <a:extLst>
-              <a:ext uri="{FF2B5EF4-FFF2-40B4-BE49-F238E27FC236}">
-                <a16:creationId xmlns:a16="http://schemas.microsoft.com/office/drawing/2014/main" id="{062CA0CC-D083-5542-8558-3B4C1B988EFF}"/>
+          <p:cNvPr id="3" name="Picture 2">
+            <a:extLst>
+              <a:ext uri="{FF2B5EF4-FFF2-40B4-BE49-F238E27FC236}">
+                <a16:creationId xmlns:a16="http://schemas.microsoft.com/office/drawing/2014/main" id="{8466BF42-9AA8-AC4F-BD2B-17A7A2C668BC}"/>
               </a:ext>
             </a:extLst>
           </p:cNvPr>
@@ -11257,7 +10901,7 @@
           <p:nvPr/>
         </p:nvPicPr>
         <p:blipFill>
-          <a:blip r:embed="rId4">
+          <a:blip r:embed="rId5">
             <a:extLst>
               <a:ext uri="{28A0092B-C50C-407E-A947-70E740481C1C}">
                 <a14:useLocalDpi xmlns:a14="http://schemas.microsoft.com/office/drawing/2010/main" val="0"/>
@@ -11281,7 +10925,7 @@
     </p:spTree>
     <p:extLst>
       <p:ext uri="{BB962C8B-B14F-4D97-AF65-F5344CB8AC3E}">
-        <p14:creationId xmlns:p14="http://schemas.microsoft.com/office/powerpoint/2010/main" val="3324030898"/>
+        <p14:creationId xmlns:p14="http://schemas.microsoft.com/office/powerpoint/2010/main" val="1795347601"/>
       </p:ext>
     </p:extLst>
   </p:cSld>
@@ -11310,207 +10954,6 @@
       </p:grpSpPr>
       <p:sp>
         <p:nvSpPr>
-          <p:cNvPr id="6" name="Rectangle 5">
-            <a:extLst>
-              <a:ext uri="{FF2B5EF4-FFF2-40B4-BE49-F238E27FC236}">
-                <a16:creationId xmlns:a16="http://schemas.microsoft.com/office/drawing/2014/main" id="{EF2D139D-EECD-E549-8928-6723261A3260}"/>
-              </a:ext>
-            </a:extLst>
-          </p:cNvPr>
-          <p:cNvSpPr/>
-          <p:nvPr/>
-        </p:nvSpPr>
-        <p:spPr>
-          <a:xfrm>
-            <a:off x="1789041" y="835032"/>
-            <a:ext cx="8428383" cy="3785652"/>
-          </a:xfrm>
-          <a:prstGeom prst="rect">
-            <a:avLst/>
-          </a:prstGeom>
-        </p:spPr>
-        <p:txBody>
-          <a:bodyPr wrap="square">
-            <a:spAutoFit/>
-          </a:bodyPr>
-          <a:lstStyle/>
-          <a:p>
-            <a:r>
-              <a:rPr lang="en-GB" sz="2400" b="1" dirty="0"/>
-              <a:t>A famous example</a:t>
-            </a:r>
-          </a:p>
-          <a:p>
-            <a:pPr>
-              <a:buFont typeface="Arial" panose="020B0604020202020204" pitchFamily="34" charset="0"/>
-              <a:buChar char="•"/>
-            </a:pPr>
-            <a:r>
-              <a:rPr lang="en-GB" sz="2400" dirty="0"/>
-              <a:t>Probably the most (in)famous example of failure to reproduce a study, which actually </a:t>
-            </a:r>
-            <a:r>
-              <a:rPr lang="en-GB" sz="2400" i="1" dirty="0"/>
-              <a:t>put people's lives at risk </a:t>
-            </a:r>
-            <a:r>
-              <a:rPr lang="en-GB" sz="2400" dirty="0"/>
-              <a:t>and </a:t>
-            </a:r>
-            <a:r>
-              <a:rPr lang="en-GB" sz="2400" dirty="0">
-                <a:hlinkClick r:id="rId2"/>
-              </a:rPr>
-              <a:t>rallied statisticians into action</a:t>
-            </a:r>
-            <a:endParaRPr lang="en-GB" sz="2400" dirty="0"/>
-          </a:p>
-          <a:p>
-            <a:endParaRPr lang="en-GB" sz="2400" dirty="0"/>
-          </a:p>
-          <a:p>
-            <a:pPr>
-              <a:buFont typeface="Arial" panose="020B0604020202020204" pitchFamily="34" charset="0"/>
-              <a:buChar char="•"/>
-            </a:pPr>
-            <a:r>
-              <a:rPr lang="en-GB" sz="2400" dirty="0"/>
-              <a:t>Keith </a:t>
-            </a:r>
-            <a:r>
-              <a:rPr lang="en-GB" sz="2400" dirty="0" err="1"/>
-              <a:t>Baggerly's</a:t>
-            </a:r>
-            <a:r>
-              <a:rPr lang="en-GB" sz="2400" dirty="0"/>
-              <a:t> lecture on the scandal is a </a:t>
-            </a:r>
-            <a:r>
-              <a:rPr lang="en-GB" sz="2400" b="1" i="1" dirty="0"/>
-              <a:t>must-see</a:t>
-            </a:r>
-            <a:r>
-              <a:rPr lang="en-GB" sz="2400" dirty="0"/>
-              <a:t>.</a:t>
-            </a:r>
-            <a:br>
-              <a:rPr lang="en-GB" sz="2400" dirty="0"/>
-            </a:br>
-            <a:r>
-              <a:rPr lang="en-GB" sz="2400" dirty="0">
-                <a:hlinkClick r:id="rId3"/>
-              </a:rPr>
-              <a:t>https://www.youtube.com/watch?v=7gYIs7uYbMo</a:t>
-            </a:r>
-            <a:r>
-              <a:rPr lang="en-GB" sz="2400" dirty="0"/>
-              <a:t> </a:t>
-            </a:r>
-          </a:p>
-          <a:p>
-            <a:pPr>
-              <a:buFont typeface="Arial" panose="020B0604020202020204" pitchFamily="34" charset="0"/>
-              <a:buChar char="•"/>
-            </a:pPr>
-            <a:endParaRPr lang="en-GB" sz="2400" dirty="0"/>
-          </a:p>
-          <a:p>
-            <a:pPr>
-              <a:buFont typeface="Arial" panose="020B0604020202020204" pitchFamily="34" charset="0"/>
-              <a:buChar char="•"/>
-            </a:pPr>
-            <a:r>
-              <a:rPr lang="en-GB" sz="2400" dirty="0"/>
-              <a:t> If that wasn’t enough to give you sleepless nights –</a:t>
-            </a:r>
-            <a:br>
-              <a:rPr lang="en-GB" sz="2400" dirty="0"/>
-            </a:br>
-            <a:r>
-              <a:rPr lang="en-GB" sz="2400" dirty="0"/>
-              <a:t>Visit </a:t>
-            </a:r>
-            <a:r>
-              <a:rPr lang="en-GB" sz="2400" dirty="0">
-                <a:hlinkClick r:id="rId4"/>
-              </a:rPr>
-              <a:t>http://retractionwatch.com</a:t>
-            </a:r>
-            <a:r>
-              <a:rPr lang="en-GB" sz="2400" dirty="0"/>
-              <a:t> </a:t>
-            </a:r>
-          </a:p>
-        </p:txBody>
-      </p:sp>
-      <p:pic>
-        <p:nvPicPr>
-          <p:cNvPr id="3" name="Picture 2">
-            <a:extLst>
-              <a:ext uri="{FF2B5EF4-FFF2-40B4-BE49-F238E27FC236}">
-                <a16:creationId xmlns:a16="http://schemas.microsoft.com/office/drawing/2014/main" id="{8466BF42-9AA8-AC4F-BD2B-17A7A2C668BC}"/>
-              </a:ext>
-            </a:extLst>
-          </p:cNvPr>
-          <p:cNvPicPr>
-            <a:picLocks noChangeAspect="1"/>
-          </p:cNvPicPr>
-          <p:nvPr/>
-        </p:nvPicPr>
-        <p:blipFill>
-          <a:blip r:embed="rId5">
-            <a:extLst>
-              <a:ext uri="{28A0092B-C50C-407E-A947-70E740481C1C}">
-                <a14:useLocalDpi xmlns:a14="http://schemas.microsoft.com/office/drawing/2010/main" val="0"/>
-              </a:ext>
-            </a:extLst>
-          </a:blip>
-          <a:stretch>
-            <a:fillRect/>
-          </a:stretch>
-        </p:blipFill>
-        <p:spPr>
-          <a:xfrm>
-            <a:off x="355876" y="5761659"/>
-            <a:ext cx="3283200" cy="720058"/>
-          </a:xfrm>
-          <a:prstGeom prst="rect">
-            <a:avLst/>
-          </a:prstGeom>
-        </p:spPr>
-      </p:pic>
-    </p:spTree>
-    <p:extLst>
-      <p:ext uri="{BB962C8B-B14F-4D97-AF65-F5344CB8AC3E}">
-        <p14:creationId xmlns:p14="http://schemas.microsoft.com/office/powerpoint/2010/main" val="1795347601"/>
-      </p:ext>
-    </p:extLst>
-  </p:cSld>
-  <p:clrMapOvr>
-    <a:masterClrMapping/>
-  </p:clrMapOvr>
-</p:sld>
-</file>
-
-<file path=ppt/slides/slide6.xml><?xml version="1.0" encoding="utf-8"?>
-<p:sld xmlns:a="http://schemas.openxmlformats.org/drawingml/2006/main" xmlns:r="http://schemas.openxmlformats.org/officeDocument/2006/relationships" xmlns:p="http://schemas.openxmlformats.org/presentationml/2006/main">
-  <p:cSld>
-    <p:spTree>
-      <p:nvGrpSpPr>
-        <p:cNvPr id="1" name=""/>
-        <p:cNvGrpSpPr/>
-        <p:nvPr/>
-      </p:nvGrpSpPr>
-      <p:grpSpPr>
-        <a:xfrm>
-          <a:off x="0" y="0"/>
-          <a:ext cx="0" cy="0"/>
-          <a:chOff x="0" y="0"/>
-          <a:chExt cx="0" cy="0"/>
-        </a:xfrm>
-      </p:grpSpPr>
-      <p:sp>
-        <p:nvSpPr>
           <p:cNvPr id="2" name="Rectangle 1">
             <a:extLst>
               <a:ext uri="{FF2B5EF4-FFF2-40B4-BE49-F238E27FC236}">
@@ -11666,7 +11109,7 @@
 </p:sld>
 </file>
 
-<file path=ppt/slides/slide7.xml><?xml version="1.0" encoding="utf-8"?>
+<file path=ppt/slides/slide6.xml><?xml version="1.0" encoding="utf-8"?>
 <p:sld xmlns:a="http://schemas.openxmlformats.org/drawingml/2006/main" xmlns:r="http://schemas.openxmlformats.org/officeDocument/2006/relationships" xmlns:p="http://schemas.openxmlformats.org/presentationml/2006/main">
   <p:cSld>
     <p:spTree>
@@ -11876,7 +11319,7 @@
 </p:sld>
 </file>
 
-<file path=ppt/slides/slide8.xml><?xml version="1.0" encoding="utf-8"?>
+<file path=ppt/slides/slide7.xml><?xml version="1.0" encoding="utf-8"?>
 <p:sld xmlns:a="http://schemas.openxmlformats.org/drawingml/2006/main" xmlns:r="http://schemas.openxmlformats.org/officeDocument/2006/relationships" xmlns:p="http://schemas.openxmlformats.org/presentationml/2006/main">
   <p:cSld>
     <p:spTree>
@@ -12133,7 +11576,7 @@
 </p:sld>
 </file>
 
-<file path=ppt/slides/slide9.xml><?xml version="1.0" encoding="utf-8"?>
+<file path=ppt/slides/slide8.xml><?xml version="1.0" encoding="utf-8"?>
 <p:sld xmlns:a="http://schemas.openxmlformats.org/drawingml/2006/main" xmlns:r="http://schemas.openxmlformats.org/officeDocument/2006/relationships" xmlns:p="http://schemas.openxmlformats.org/presentationml/2006/main">
   <p:cSld>
     <p:spTree>
@@ -12380,6 +11823,195 @@
     <p:extLst>
       <p:ext uri="{BB962C8B-B14F-4D97-AF65-F5344CB8AC3E}">
         <p14:creationId xmlns:p14="http://schemas.microsoft.com/office/powerpoint/2010/main" val="3529431613"/>
+      </p:ext>
+    </p:extLst>
+  </p:cSld>
+  <p:clrMapOvr>
+    <a:masterClrMapping/>
+  </p:clrMapOvr>
+</p:sld>
+</file>
+
+<file path=ppt/slides/slide9.xml><?xml version="1.0" encoding="utf-8"?>
+<p:sld xmlns:a="http://schemas.openxmlformats.org/drawingml/2006/main" xmlns:r="http://schemas.openxmlformats.org/officeDocument/2006/relationships" xmlns:p="http://schemas.openxmlformats.org/presentationml/2006/main">
+  <p:cSld>
+    <p:spTree>
+      <p:nvGrpSpPr>
+        <p:cNvPr id="1" name=""/>
+        <p:cNvGrpSpPr/>
+        <p:nvPr/>
+      </p:nvGrpSpPr>
+      <p:grpSpPr>
+        <a:xfrm>
+          <a:off x="0" y="0"/>
+          <a:ext cx="0" cy="0"/>
+          <a:chOff x="0" y="0"/>
+          <a:chExt cx="0" cy="0"/>
+        </a:xfrm>
+      </p:grpSpPr>
+      <p:sp>
+        <p:nvSpPr>
+          <p:cNvPr id="3" name="Rectangle 2">
+            <a:extLst>
+              <a:ext uri="{FF2B5EF4-FFF2-40B4-BE49-F238E27FC236}">
+                <a16:creationId xmlns:a16="http://schemas.microsoft.com/office/drawing/2014/main" id="{B60F2198-DA84-BB4B-B66D-5884E311377A}"/>
+              </a:ext>
+            </a:extLst>
+          </p:cNvPr>
+          <p:cNvSpPr/>
+          <p:nvPr/>
+        </p:nvSpPr>
+        <p:spPr>
+          <a:xfrm>
+            <a:off x="2204278" y="4756817"/>
+            <a:ext cx="6096000" cy="923330"/>
+          </a:xfrm>
+          <a:prstGeom prst="rect">
+            <a:avLst/>
+          </a:prstGeom>
+        </p:spPr>
+        <p:txBody>
+          <a:bodyPr>
+            <a:spAutoFit/>
+          </a:bodyPr>
+          <a:lstStyle/>
+          <a:p>
+            <a:r>
+              <a:rPr lang="en-GB">
+                <a:hlinkClick r:id="rId2"/>
+              </a:rPr>
+              <a:t>http://www.inquisitr.com/309687/jesus-painting-restoration-goes-wrong-well-intentioned-old-lady-destroys-100-year-old-fresco/</a:t>
+            </a:r>
+            <a:endParaRPr lang="en-US"/>
+          </a:p>
+        </p:txBody>
+      </p:sp>
+      <p:pic>
+        <p:nvPicPr>
+          <p:cNvPr id="4100" name="Picture 4" descr="http://cdn.inquisitr.com/wp-content/uploads/2012/08/jesus-christ-fresco.gif">
+            <a:extLst>
+              <a:ext uri="{FF2B5EF4-FFF2-40B4-BE49-F238E27FC236}">
+                <a16:creationId xmlns:a16="http://schemas.microsoft.com/office/drawing/2014/main" id="{FC78B7F2-45FC-9A4F-9DD8-82C3374B7C87}"/>
+              </a:ext>
+            </a:extLst>
+          </p:cNvPr>
+          <p:cNvPicPr>
+            <a:picLocks noChangeAspect="1" noChangeArrowheads="1"/>
+          </p:cNvPicPr>
+          <p:nvPr/>
+        </p:nvPicPr>
+        <p:blipFill>
+          <a:blip r:embed="rId3">
+            <a:extLst>
+              <a:ext uri="{28A0092B-C50C-407E-A947-70E740481C1C}">
+                <a14:useLocalDpi xmlns:a14="http://schemas.microsoft.com/office/drawing/2010/main" val="0"/>
+              </a:ext>
+            </a:extLst>
+          </a:blip>
+          <a:srcRect/>
+          <a:stretch>
+            <a:fillRect/>
+          </a:stretch>
+        </p:blipFill>
+        <p:spPr bwMode="auto">
+          <a:xfrm>
+            <a:off x="2305878" y="1006271"/>
+            <a:ext cx="5892800" cy="3683000"/>
+          </a:xfrm>
+          <a:prstGeom prst="rect">
+            <a:avLst/>
+          </a:prstGeom>
+          <a:noFill/>
+          <a:extLst>
+            <a:ext uri="{909E8E84-426E-40DD-AFC4-6F175D3DCCD1}">
+              <a14:hiddenFill xmlns:a14="http://schemas.microsoft.com/office/drawing/2010/main">
+                <a:solidFill>
+                  <a:srgbClr val="FFFFFF"/>
+                </a:solidFill>
+              </a14:hiddenFill>
+            </a:ext>
+          </a:extLst>
+        </p:spPr>
+      </p:pic>
+      <p:sp>
+        <p:nvSpPr>
+          <p:cNvPr id="4" name="Rectangle 3">
+            <a:extLst>
+              <a:ext uri="{FF2B5EF4-FFF2-40B4-BE49-F238E27FC236}">
+                <a16:creationId xmlns:a16="http://schemas.microsoft.com/office/drawing/2014/main" id="{305BED88-073C-8A40-8711-551DCAD1F046}"/>
+              </a:ext>
+            </a:extLst>
+          </p:cNvPr>
+          <p:cNvSpPr/>
+          <p:nvPr/>
+        </p:nvSpPr>
+        <p:spPr>
+          <a:xfrm>
+            <a:off x="2305878" y="463094"/>
+            <a:ext cx="5740931" cy="461665"/>
+          </a:xfrm>
+          <a:prstGeom prst="rect">
+            <a:avLst/>
+          </a:prstGeom>
+        </p:spPr>
+        <p:txBody>
+          <a:bodyPr wrap="none">
+            <a:spAutoFit/>
+          </a:bodyPr>
+          <a:lstStyle/>
+          <a:p>
+            <a:r>
+              <a:rPr lang="en-GB" sz="2400" b="1" dirty="0"/>
+              <a:t>Rule 1 -</a:t>
+            </a:r>
+            <a:r>
+              <a:rPr lang="en-GB" sz="2400" b="1" i="1" dirty="0"/>
+              <a:t>Never work directly on the raw data</a:t>
+            </a:r>
+            <a:endParaRPr lang="en-GB" sz="2400" b="1" dirty="0"/>
+          </a:p>
+        </p:txBody>
+      </p:sp>
+      <p:pic>
+        <p:nvPicPr>
+          <p:cNvPr id="5" name="Picture 4">
+            <a:extLst>
+              <a:ext uri="{FF2B5EF4-FFF2-40B4-BE49-F238E27FC236}">
+                <a16:creationId xmlns:a16="http://schemas.microsoft.com/office/drawing/2014/main" id="{DCB74697-58ED-1C4F-A29F-351254C6D8F3}"/>
+              </a:ext>
+            </a:extLst>
+          </p:cNvPr>
+          <p:cNvPicPr>
+            <a:picLocks noChangeAspect="1"/>
+          </p:cNvPicPr>
+          <p:nvPr/>
+        </p:nvPicPr>
+        <p:blipFill>
+          <a:blip r:embed="rId4">
+            <a:extLst>
+              <a:ext uri="{28A0092B-C50C-407E-A947-70E740481C1C}">
+                <a14:useLocalDpi xmlns:a14="http://schemas.microsoft.com/office/drawing/2010/main" val="0"/>
+              </a:ext>
+            </a:extLst>
+          </a:blip>
+          <a:stretch>
+            <a:fillRect/>
+          </a:stretch>
+        </p:blipFill>
+        <p:spPr>
+          <a:xfrm>
+            <a:off x="355876" y="5761659"/>
+            <a:ext cx="3283200" cy="720058"/>
+          </a:xfrm>
+          <a:prstGeom prst="rect">
+            <a:avLst/>
+          </a:prstGeom>
+        </p:spPr>
+      </p:pic>
+    </p:spTree>
+    <p:extLst>
+      <p:ext uri="{BB962C8B-B14F-4D97-AF65-F5344CB8AC3E}">
+        <p14:creationId xmlns:p14="http://schemas.microsoft.com/office/powerpoint/2010/main" val="2900627862"/>
       </p:ext>
     </p:extLst>
   </p:cSld>

--- a/data_formatting.pptx
+++ b/data_formatting.pptx
@@ -11571,11 +11571,13 @@
           <a:p>
             <a:r>
               <a:rPr lang="en-GB" sz="2800" dirty="0"/>
-              <a:t>This can lead to problems if your records are </a:t>
-            </a:r>
-            <a:r>
-              <a:rPr lang="en-GB" sz="2800"/>
-              <a:t>not perfect</a:t>
+              <a:t>This can lead to problems if your records are not perfect</a:t>
+            </a:r>
+          </a:p>
+          <a:p>
+            <a:r>
+              <a:rPr lang="en-GB" dirty="0"/>
+              <a:t>Lab/Field notebooks can be easily damaged or lost</a:t>
             </a:r>
             <a:endParaRPr lang="en-GB" sz="2800" dirty="0"/>
           </a:p>

--- a/data_formatting.pptx
+++ b/data_formatting.pptx
@@ -4,6 +4,9 @@
   <p:sldMasterIdLst>
     <p:sldMasterId id="2147483648" r:id="rId1"/>
   </p:sldMasterIdLst>
+  <p:notesMasterIdLst>
+    <p:notesMasterId r:id="rId28"/>
+  </p:notesMasterIdLst>
   <p:sldIdLst>
     <p:sldId id="260" r:id="rId2"/>
     <p:sldId id="261" r:id="rId3"/>
@@ -12,24 +15,25 @@
     <p:sldId id="264" r:id="rId6"/>
     <p:sldId id="265" r:id="rId7"/>
     <p:sldId id="266" r:id="rId8"/>
-    <p:sldId id="267" r:id="rId9"/>
-    <p:sldId id="269" r:id="rId10"/>
-    <p:sldId id="283" r:id="rId11"/>
-    <p:sldId id="281" r:id="rId12"/>
-    <p:sldId id="270" r:id="rId13"/>
-    <p:sldId id="272" r:id="rId14"/>
-    <p:sldId id="274" r:id="rId15"/>
-    <p:sldId id="275" r:id="rId16"/>
-    <p:sldId id="285" r:id="rId17"/>
-    <p:sldId id="276" r:id="rId18"/>
-    <p:sldId id="277" r:id="rId19"/>
-    <p:sldId id="278" r:id="rId20"/>
-    <p:sldId id="279" r:id="rId21"/>
-    <p:sldId id="280" r:id="rId22"/>
-    <p:sldId id="286" r:id="rId23"/>
-    <p:sldId id="282" r:id="rId24"/>
-    <p:sldId id="271" r:id="rId25"/>
-    <p:sldId id="284" r:id="rId26"/>
+    <p:sldId id="282" r:id="rId9"/>
+    <p:sldId id="267" r:id="rId10"/>
+    <p:sldId id="269" r:id="rId11"/>
+    <p:sldId id="283" r:id="rId12"/>
+    <p:sldId id="281" r:id="rId13"/>
+    <p:sldId id="270" r:id="rId14"/>
+    <p:sldId id="272" r:id="rId15"/>
+    <p:sldId id="274" r:id="rId16"/>
+    <p:sldId id="275" r:id="rId17"/>
+    <p:sldId id="285" r:id="rId18"/>
+    <p:sldId id="276" r:id="rId19"/>
+    <p:sldId id="277" r:id="rId20"/>
+    <p:sldId id="278" r:id="rId21"/>
+    <p:sldId id="279" r:id="rId22"/>
+    <p:sldId id="280" r:id="rId23"/>
+    <p:sldId id="286" r:id="rId24"/>
+    <p:sldId id="287" r:id="rId25"/>
+    <p:sldId id="271" r:id="rId26"/>
+    <p:sldId id="284" r:id="rId27"/>
   </p:sldIdLst>
   <p:sldSz cx="12192000" cy="6858000"/>
   <p:notesSz cx="6858000" cy="9144000"/>
@@ -136,6 +140,443 @@
 </p:presentation>
 </file>
 
+<file path=ppt/notesMasters/notesMaster1.xml><?xml version="1.0" encoding="utf-8"?>
+<p:notesMaster xmlns:a="http://schemas.openxmlformats.org/drawingml/2006/main" xmlns:r="http://schemas.openxmlformats.org/officeDocument/2006/relationships" xmlns:p="http://schemas.openxmlformats.org/presentationml/2006/main">
+  <p:cSld>
+    <p:bg>
+      <p:bgRef idx="1001">
+        <a:schemeClr val="bg1"/>
+      </p:bgRef>
+    </p:bg>
+    <p:spTree>
+      <p:nvGrpSpPr>
+        <p:cNvPr id="1" name=""/>
+        <p:cNvGrpSpPr/>
+        <p:nvPr/>
+      </p:nvGrpSpPr>
+      <p:grpSpPr>
+        <a:xfrm>
+          <a:off x="0" y="0"/>
+          <a:ext cx="0" cy="0"/>
+          <a:chOff x="0" y="0"/>
+          <a:chExt cx="0" cy="0"/>
+        </a:xfrm>
+      </p:grpSpPr>
+      <p:sp>
+        <p:nvSpPr>
+          <p:cNvPr id="2" name="Header Placeholder 1"/>
+          <p:cNvSpPr>
+            <a:spLocks noGrp="1"/>
+          </p:cNvSpPr>
+          <p:nvPr>
+            <p:ph type="hdr" sz="quarter"/>
+          </p:nvPr>
+        </p:nvSpPr>
+        <p:spPr>
+          <a:xfrm>
+            <a:off x="0" y="0"/>
+            <a:ext cx="2971800" cy="458788"/>
+          </a:xfrm>
+          <a:prstGeom prst="rect">
+            <a:avLst/>
+          </a:prstGeom>
+        </p:spPr>
+        <p:txBody>
+          <a:bodyPr vert="horz" lIns="91440" tIns="45720" rIns="91440" bIns="45720" rtlCol="0"/>
+          <a:lstStyle>
+            <a:lvl1pPr algn="l">
+              <a:defRPr sz="1200"/>
+            </a:lvl1pPr>
+          </a:lstStyle>
+          <a:p>
+            <a:endParaRPr lang="en-US"/>
+          </a:p>
+        </p:txBody>
+      </p:sp>
+      <p:sp>
+        <p:nvSpPr>
+          <p:cNvPr id="3" name="Date Placeholder 2"/>
+          <p:cNvSpPr>
+            <a:spLocks noGrp="1"/>
+          </p:cNvSpPr>
+          <p:nvPr>
+            <p:ph type="dt" idx="1"/>
+          </p:nvPr>
+        </p:nvSpPr>
+        <p:spPr>
+          <a:xfrm>
+            <a:off x="3884613" y="0"/>
+            <a:ext cx="2971800" cy="458788"/>
+          </a:xfrm>
+          <a:prstGeom prst="rect">
+            <a:avLst/>
+          </a:prstGeom>
+        </p:spPr>
+        <p:txBody>
+          <a:bodyPr vert="horz" lIns="91440" tIns="45720" rIns="91440" bIns="45720" rtlCol="0"/>
+          <a:lstStyle>
+            <a:lvl1pPr algn="r">
+              <a:defRPr sz="1200"/>
+            </a:lvl1pPr>
+          </a:lstStyle>
+          <a:p>
+            <a:fld id="{4A80CC48-82BA-BB42-B6C5-9D654AE2C5D2}" type="datetimeFigureOut">
+              <a:rPr lang="en-US" smtClean="0"/>
+              <a:t>5/2/23</a:t>
+            </a:fld>
+            <a:endParaRPr lang="en-US"/>
+          </a:p>
+        </p:txBody>
+      </p:sp>
+      <p:sp>
+        <p:nvSpPr>
+          <p:cNvPr id="4" name="Slide Image Placeholder 3"/>
+          <p:cNvSpPr>
+            <a:spLocks noGrp="1" noRot="1" noChangeAspect="1"/>
+          </p:cNvSpPr>
+          <p:nvPr>
+            <p:ph type="sldImg" idx="2"/>
+          </p:nvPr>
+        </p:nvSpPr>
+        <p:spPr>
+          <a:xfrm>
+            <a:off x="685800" y="1143000"/>
+            <a:ext cx="5486400" cy="3086100"/>
+          </a:xfrm>
+          <a:prstGeom prst="rect">
+            <a:avLst/>
+          </a:prstGeom>
+          <a:noFill/>
+          <a:ln w="12700">
+            <a:solidFill>
+              <a:prstClr val="black"/>
+            </a:solidFill>
+          </a:ln>
+        </p:spPr>
+        <p:txBody>
+          <a:bodyPr vert="horz" lIns="91440" tIns="45720" rIns="91440" bIns="45720" rtlCol="0" anchor="ctr"/>
+          <a:lstStyle/>
+          <a:p>
+            <a:endParaRPr lang="en-US"/>
+          </a:p>
+        </p:txBody>
+      </p:sp>
+      <p:sp>
+        <p:nvSpPr>
+          <p:cNvPr id="5" name="Notes Placeholder 4"/>
+          <p:cNvSpPr>
+            <a:spLocks noGrp="1"/>
+          </p:cNvSpPr>
+          <p:nvPr>
+            <p:ph type="body" sz="quarter" idx="3"/>
+          </p:nvPr>
+        </p:nvSpPr>
+        <p:spPr>
+          <a:xfrm>
+            <a:off x="685800" y="4400550"/>
+            <a:ext cx="5486400" cy="3600450"/>
+          </a:xfrm>
+          <a:prstGeom prst="rect">
+            <a:avLst/>
+          </a:prstGeom>
+        </p:spPr>
+        <p:txBody>
+          <a:bodyPr vert="horz" lIns="91440" tIns="45720" rIns="91440" bIns="45720" rtlCol="0"/>
+          <a:lstStyle/>
+          <a:p>
+            <a:pPr lvl="0"/>
+            <a:r>
+              <a:rPr lang="en-GB"/>
+              <a:t>Click to edit Master text styles</a:t>
+            </a:r>
+          </a:p>
+          <a:p>
+            <a:pPr lvl="1"/>
+            <a:r>
+              <a:rPr lang="en-GB"/>
+              <a:t>Second level</a:t>
+            </a:r>
+          </a:p>
+          <a:p>
+            <a:pPr lvl="2"/>
+            <a:r>
+              <a:rPr lang="en-GB"/>
+              <a:t>Third level</a:t>
+            </a:r>
+          </a:p>
+          <a:p>
+            <a:pPr lvl="3"/>
+            <a:r>
+              <a:rPr lang="en-GB"/>
+              <a:t>Fourth level</a:t>
+            </a:r>
+          </a:p>
+          <a:p>
+            <a:pPr lvl="4"/>
+            <a:r>
+              <a:rPr lang="en-GB"/>
+              <a:t>Fifth level</a:t>
+            </a:r>
+            <a:endParaRPr lang="en-US"/>
+          </a:p>
+        </p:txBody>
+      </p:sp>
+      <p:sp>
+        <p:nvSpPr>
+          <p:cNvPr id="6" name="Footer Placeholder 5"/>
+          <p:cNvSpPr>
+            <a:spLocks noGrp="1"/>
+          </p:cNvSpPr>
+          <p:nvPr>
+            <p:ph type="ftr" sz="quarter" idx="4"/>
+          </p:nvPr>
+        </p:nvSpPr>
+        <p:spPr>
+          <a:xfrm>
+            <a:off x="0" y="8685213"/>
+            <a:ext cx="2971800" cy="458787"/>
+          </a:xfrm>
+          <a:prstGeom prst="rect">
+            <a:avLst/>
+          </a:prstGeom>
+        </p:spPr>
+        <p:txBody>
+          <a:bodyPr vert="horz" lIns="91440" tIns="45720" rIns="91440" bIns="45720" rtlCol="0" anchor="b"/>
+          <a:lstStyle>
+            <a:lvl1pPr algn="l">
+              <a:defRPr sz="1200"/>
+            </a:lvl1pPr>
+          </a:lstStyle>
+          <a:p>
+            <a:endParaRPr lang="en-US"/>
+          </a:p>
+        </p:txBody>
+      </p:sp>
+      <p:sp>
+        <p:nvSpPr>
+          <p:cNvPr id="7" name="Slide Number Placeholder 6"/>
+          <p:cNvSpPr>
+            <a:spLocks noGrp="1"/>
+          </p:cNvSpPr>
+          <p:nvPr>
+            <p:ph type="sldNum" sz="quarter" idx="5"/>
+          </p:nvPr>
+        </p:nvSpPr>
+        <p:spPr>
+          <a:xfrm>
+            <a:off x="3884613" y="8685213"/>
+            <a:ext cx="2971800" cy="458787"/>
+          </a:xfrm>
+          <a:prstGeom prst="rect">
+            <a:avLst/>
+          </a:prstGeom>
+        </p:spPr>
+        <p:txBody>
+          <a:bodyPr vert="horz" lIns="91440" tIns="45720" rIns="91440" bIns="45720" rtlCol="0" anchor="b"/>
+          <a:lstStyle>
+            <a:lvl1pPr algn="r">
+              <a:defRPr sz="1200"/>
+            </a:lvl1pPr>
+          </a:lstStyle>
+          <a:p>
+            <a:fld id="{C22CC4C0-B63D-3942-B892-4892AA913C9B}" type="slidenum">
+              <a:rPr lang="en-US" smtClean="0"/>
+              <a:t>‹#›</a:t>
+            </a:fld>
+            <a:endParaRPr lang="en-US"/>
+          </a:p>
+        </p:txBody>
+      </p:sp>
+    </p:spTree>
+    <p:extLst>
+      <p:ext uri="{BB962C8B-B14F-4D97-AF65-F5344CB8AC3E}">
+        <p14:creationId xmlns:p14="http://schemas.microsoft.com/office/powerpoint/2010/main" val="849690523"/>
+      </p:ext>
+    </p:extLst>
+  </p:cSld>
+  <p:clrMap bg1="lt1" tx1="dk1" bg2="lt2" tx2="dk2" accent1="accent1" accent2="accent2" accent3="accent3" accent4="accent4" accent5="accent5" accent6="accent6" hlink="hlink" folHlink="folHlink"/>
+  <p:notesStyle>
+    <a:lvl1pPr marL="0" algn="l" defTabSz="914400" rtl="0" eaLnBrk="1" latinLnBrk="0" hangingPunct="1">
+      <a:defRPr sz="1200" kern="1200">
+        <a:solidFill>
+          <a:schemeClr val="tx1"/>
+        </a:solidFill>
+        <a:latin typeface="+mn-lt"/>
+        <a:ea typeface="+mn-ea"/>
+        <a:cs typeface="+mn-cs"/>
+      </a:defRPr>
+    </a:lvl1pPr>
+    <a:lvl2pPr marL="457200" algn="l" defTabSz="914400" rtl="0" eaLnBrk="1" latinLnBrk="0" hangingPunct="1">
+      <a:defRPr sz="1200" kern="1200">
+        <a:solidFill>
+          <a:schemeClr val="tx1"/>
+        </a:solidFill>
+        <a:latin typeface="+mn-lt"/>
+        <a:ea typeface="+mn-ea"/>
+        <a:cs typeface="+mn-cs"/>
+      </a:defRPr>
+    </a:lvl2pPr>
+    <a:lvl3pPr marL="914400" algn="l" defTabSz="914400" rtl="0" eaLnBrk="1" latinLnBrk="0" hangingPunct="1">
+      <a:defRPr sz="1200" kern="1200">
+        <a:solidFill>
+          <a:schemeClr val="tx1"/>
+        </a:solidFill>
+        <a:latin typeface="+mn-lt"/>
+        <a:ea typeface="+mn-ea"/>
+        <a:cs typeface="+mn-cs"/>
+      </a:defRPr>
+    </a:lvl3pPr>
+    <a:lvl4pPr marL="1371600" algn="l" defTabSz="914400" rtl="0" eaLnBrk="1" latinLnBrk="0" hangingPunct="1">
+      <a:defRPr sz="1200" kern="1200">
+        <a:solidFill>
+          <a:schemeClr val="tx1"/>
+        </a:solidFill>
+        <a:latin typeface="+mn-lt"/>
+        <a:ea typeface="+mn-ea"/>
+        <a:cs typeface="+mn-cs"/>
+      </a:defRPr>
+    </a:lvl4pPr>
+    <a:lvl5pPr marL="1828800" algn="l" defTabSz="914400" rtl="0" eaLnBrk="1" latinLnBrk="0" hangingPunct="1">
+      <a:defRPr sz="1200" kern="1200">
+        <a:solidFill>
+          <a:schemeClr val="tx1"/>
+        </a:solidFill>
+        <a:latin typeface="+mn-lt"/>
+        <a:ea typeface="+mn-ea"/>
+        <a:cs typeface="+mn-cs"/>
+      </a:defRPr>
+    </a:lvl5pPr>
+    <a:lvl6pPr marL="2286000" algn="l" defTabSz="914400" rtl="0" eaLnBrk="1" latinLnBrk="0" hangingPunct="1">
+      <a:defRPr sz="1200" kern="1200">
+        <a:solidFill>
+          <a:schemeClr val="tx1"/>
+        </a:solidFill>
+        <a:latin typeface="+mn-lt"/>
+        <a:ea typeface="+mn-ea"/>
+        <a:cs typeface="+mn-cs"/>
+      </a:defRPr>
+    </a:lvl6pPr>
+    <a:lvl7pPr marL="2743200" algn="l" defTabSz="914400" rtl="0" eaLnBrk="1" latinLnBrk="0" hangingPunct="1">
+      <a:defRPr sz="1200" kern="1200">
+        <a:solidFill>
+          <a:schemeClr val="tx1"/>
+        </a:solidFill>
+        <a:latin typeface="+mn-lt"/>
+        <a:ea typeface="+mn-ea"/>
+        <a:cs typeface="+mn-cs"/>
+      </a:defRPr>
+    </a:lvl7pPr>
+    <a:lvl8pPr marL="3200400" algn="l" defTabSz="914400" rtl="0" eaLnBrk="1" latinLnBrk="0" hangingPunct="1">
+      <a:defRPr sz="1200" kern="1200">
+        <a:solidFill>
+          <a:schemeClr val="tx1"/>
+        </a:solidFill>
+        <a:latin typeface="+mn-lt"/>
+        <a:ea typeface="+mn-ea"/>
+        <a:cs typeface="+mn-cs"/>
+      </a:defRPr>
+    </a:lvl8pPr>
+    <a:lvl9pPr marL="3657600" algn="l" defTabSz="914400" rtl="0" eaLnBrk="1" latinLnBrk="0" hangingPunct="1">
+      <a:defRPr sz="1200" kern="1200">
+        <a:solidFill>
+          <a:schemeClr val="tx1"/>
+        </a:solidFill>
+        <a:latin typeface="+mn-lt"/>
+        <a:ea typeface="+mn-ea"/>
+        <a:cs typeface="+mn-cs"/>
+      </a:defRPr>
+    </a:lvl9pPr>
+  </p:notesStyle>
+</p:notesMaster>
+</file>
+
+<file path=ppt/notesSlides/notesSlide1.xml><?xml version="1.0" encoding="utf-8"?>
+<p:notes xmlns:a="http://schemas.openxmlformats.org/drawingml/2006/main" xmlns:r="http://schemas.openxmlformats.org/officeDocument/2006/relationships" xmlns:p="http://schemas.openxmlformats.org/presentationml/2006/main">
+  <p:cSld>
+    <p:spTree>
+      <p:nvGrpSpPr>
+        <p:cNvPr id="1" name=""/>
+        <p:cNvGrpSpPr/>
+        <p:nvPr/>
+      </p:nvGrpSpPr>
+      <p:grpSpPr>
+        <a:xfrm>
+          <a:off x="0" y="0"/>
+          <a:ext cx="0" cy="0"/>
+          <a:chOff x="0" y="0"/>
+          <a:chExt cx="0" cy="0"/>
+        </a:xfrm>
+      </p:grpSpPr>
+      <p:sp>
+        <p:nvSpPr>
+          <p:cNvPr id="2" name="Slide Image Placeholder 1"/>
+          <p:cNvSpPr>
+            <a:spLocks noGrp="1" noRot="1" noChangeAspect="1"/>
+          </p:cNvSpPr>
+          <p:nvPr>
+            <p:ph type="sldImg"/>
+          </p:nvPr>
+        </p:nvSpPr>
+        <p:spPr/>
+      </p:sp>
+      <p:sp>
+        <p:nvSpPr>
+          <p:cNvPr id="3" name="Notes Placeholder 2"/>
+          <p:cNvSpPr>
+            <a:spLocks noGrp="1"/>
+          </p:cNvSpPr>
+          <p:nvPr>
+            <p:ph type="body" idx="1"/>
+          </p:nvPr>
+        </p:nvSpPr>
+        <p:spPr/>
+        <p:txBody>
+          <a:bodyPr/>
+          <a:lstStyle/>
+          <a:p>
+            <a:endParaRPr lang="en-US" dirty="0"/>
+          </a:p>
+          <a:p>
+            <a:endParaRPr lang="en-US" dirty="0"/>
+          </a:p>
+        </p:txBody>
+      </p:sp>
+      <p:sp>
+        <p:nvSpPr>
+          <p:cNvPr id="4" name="Slide Number Placeholder 3"/>
+          <p:cNvSpPr>
+            <a:spLocks noGrp="1"/>
+          </p:cNvSpPr>
+          <p:nvPr>
+            <p:ph type="sldNum" sz="quarter" idx="5"/>
+          </p:nvPr>
+        </p:nvSpPr>
+        <p:spPr/>
+        <p:txBody>
+          <a:bodyPr/>
+          <a:lstStyle/>
+          <a:p>
+            <a:fld id="{C22CC4C0-B63D-3942-B892-4892AA913C9B}" type="slidenum">
+              <a:rPr lang="en-US" smtClean="0"/>
+              <a:t>17</a:t>
+            </a:fld>
+            <a:endParaRPr lang="en-US"/>
+          </a:p>
+        </p:txBody>
+      </p:sp>
+    </p:spTree>
+    <p:extLst>
+      <p:ext uri="{BB962C8B-B14F-4D97-AF65-F5344CB8AC3E}">
+        <p14:creationId xmlns:p14="http://schemas.microsoft.com/office/powerpoint/2010/main" val="884621887"/>
+      </p:ext>
+    </p:extLst>
+  </p:cSld>
+  <p:clrMapOvr>
+    <a:masterClrMapping/>
+  </p:clrMapOvr>
+</p:notes>
+</file>
+
 <file path=ppt/slideLayouts/slideLayout1.xml><?xml version="1.0" encoding="utf-8"?>
 <p:sldLayout xmlns:a="http://schemas.openxmlformats.org/drawingml/2006/main" xmlns:r="http://schemas.openxmlformats.org/officeDocument/2006/relationships" xmlns:p="http://schemas.openxmlformats.org/presentationml/2006/main" type="title" preserve="1">
   <p:cSld name="Title Slide">
@@ -285,7 +726,7 @@
           <a:p>
             <a:fld id="{ED96B86E-CF0D-8647-AE06-595551B58CCD}" type="datetimeFigureOut">
               <a:rPr lang="en-US" smtClean="0"/>
-              <a:t>5/1/23</a:t>
+              <a:t>5/2/23</a:t>
             </a:fld>
             <a:endParaRPr lang="en-US"/>
           </a:p>
@@ -485,7 +926,7 @@
           <a:p>
             <a:fld id="{ED96B86E-CF0D-8647-AE06-595551B58CCD}" type="datetimeFigureOut">
               <a:rPr lang="en-US" smtClean="0"/>
-              <a:t>5/1/23</a:t>
+              <a:t>5/2/23</a:t>
             </a:fld>
             <a:endParaRPr lang="en-US"/>
           </a:p>
@@ -695,7 +1136,7 @@
           <a:p>
             <a:fld id="{ED96B86E-CF0D-8647-AE06-595551B58CCD}" type="datetimeFigureOut">
               <a:rPr lang="en-US" smtClean="0"/>
-              <a:t>5/1/23</a:t>
+              <a:t>5/2/23</a:t>
             </a:fld>
             <a:endParaRPr lang="en-US"/>
           </a:p>
@@ -900,7 +1341,7 @@
           <a:p>
             <a:fld id="{ED96B86E-CF0D-8647-AE06-595551B58CCD}" type="datetimeFigureOut">
               <a:rPr lang="en-US" smtClean="0"/>
-              <a:t>5/1/23</a:t>
+              <a:t>5/2/23</a:t>
             </a:fld>
             <a:endParaRPr lang="en-US"/>
           </a:p>
@@ -1176,7 +1617,7 @@
           <a:p>
             <a:fld id="{ED96B86E-CF0D-8647-AE06-595551B58CCD}" type="datetimeFigureOut">
               <a:rPr lang="en-US" smtClean="0"/>
-              <a:t>5/1/23</a:t>
+              <a:t>5/2/23</a:t>
             </a:fld>
             <a:endParaRPr lang="en-US"/>
           </a:p>
@@ -1444,7 +1885,7 @@
           <a:p>
             <a:fld id="{ED96B86E-CF0D-8647-AE06-595551B58CCD}" type="datetimeFigureOut">
               <a:rPr lang="en-US" smtClean="0"/>
-              <a:t>5/1/23</a:t>
+              <a:t>5/2/23</a:t>
             </a:fld>
             <a:endParaRPr lang="en-US"/>
           </a:p>
@@ -1859,7 +2300,7 @@
           <a:p>
             <a:fld id="{ED96B86E-CF0D-8647-AE06-595551B58CCD}" type="datetimeFigureOut">
               <a:rPr lang="en-US" smtClean="0"/>
-              <a:t>5/1/23</a:t>
+              <a:t>5/2/23</a:t>
             </a:fld>
             <a:endParaRPr lang="en-US"/>
           </a:p>
@@ -2001,7 +2442,7 @@
           <a:p>
             <a:fld id="{ED96B86E-CF0D-8647-AE06-595551B58CCD}" type="datetimeFigureOut">
               <a:rPr lang="en-US" smtClean="0"/>
-              <a:t>5/1/23</a:t>
+              <a:t>5/2/23</a:t>
             </a:fld>
             <a:endParaRPr lang="en-US"/>
           </a:p>
@@ -2114,7 +2555,7 @@
           <a:p>
             <a:fld id="{ED96B86E-CF0D-8647-AE06-595551B58CCD}" type="datetimeFigureOut">
               <a:rPr lang="en-US" smtClean="0"/>
-              <a:t>5/1/23</a:t>
+              <a:t>5/2/23</a:t>
             </a:fld>
             <a:endParaRPr lang="en-US"/>
           </a:p>
@@ -2427,7 +2868,7 @@
           <a:p>
             <a:fld id="{ED96B86E-CF0D-8647-AE06-595551B58CCD}" type="datetimeFigureOut">
               <a:rPr lang="en-US" smtClean="0"/>
-              <a:t>5/1/23</a:t>
+              <a:t>5/2/23</a:t>
             </a:fld>
             <a:endParaRPr lang="en-US"/>
           </a:p>
@@ -2716,7 +3157,7 @@
           <a:p>
             <a:fld id="{ED96B86E-CF0D-8647-AE06-595551B58CCD}" type="datetimeFigureOut">
               <a:rPr lang="en-US" smtClean="0"/>
-              <a:t>5/1/23</a:t>
+              <a:t>5/2/23</a:t>
             </a:fld>
             <a:endParaRPr lang="en-US"/>
           </a:p>
@@ -2959,7 +3400,7 @@
           <a:p>
             <a:fld id="{ED96B86E-CF0D-8647-AE06-595551B58CCD}" type="datetimeFigureOut">
               <a:rPr lang="en-US" smtClean="0"/>
-              <a:t>5/1/23</a:t>
+              <a:t>5/2/23</a:t>
             </a:fld>
             <a:endParaRPr lang="en-US"/>
           </a:p>
@@ -3592,6 +4033,158 @@
             <p:ph idx="1"/>
           </p:nvPr>
         </p:nvSpPr>
+        <p:spPr/>
+        <p:txBody>
+          <a:bodyPr/>
+          <a:lstStyle/>
+          <a:p>
+            <a:pPr marL="0" indent="0">
+              <a:buNone/>
+            </a:pPr>
+            <a:r>
+              <a:rPr lang="en-US" b="1" dirty="0"/>
+              <a:t>Rule 1 - Never work directly on the raw data</a:t>
+            </a:r>
+          </a:p>
+          <a:p>
+            <a:pPr>
+              <a:buFont typeface="Arial" panose="020B0604020202020204" pitchFamily="34" charset="0"/>
+              <a:buChar char="•"/>
+            </a:pPr>
+            <a:r>
+              <a:rPr lang="en-GB" sz="2400" dirty="0"/>
+              <a:t>Hard to reverse all the manual steps performed</a:t>
+            </a:r>
+          </a:p>
+          <a:p>
+            <a:pPr>
+              <a:buFont typeface="Arial" panose="020B0604020202020204" pitchFamily="34" charset="0"/>
+              <a:buChar char="•"/>
+            </a:pPr>
+            <a:r>
+              <a:rPr lang="en-GB" sz="2400" dirty="0"/>
+              <a:t>Keep the original data somewhere </a:t>
+            </a:r>
+            <a:r>
+              <a:rPr lang="en-GB" sz="2400" b="1" u="sng" dirty="0"/>
+              <a:t>safe</a:t>
+            </a:r>
+          </a:p>
+          <a:p>
+            <a:pPr>
+              <a:buFont typeface="Arial" panose="020B0604020202020204" pitchFamily="34" charset="0"/>
+              <a:buChar char="•"/>
+            </a:pPr>
+            <a:r>
+              <a:rPr lang="en-GB" sz="2400" dirty="0"/>
+              <a:t>Make a copy of the original and work on that</a:t>
+            </a:r>
+          </a:p>
+          <a:p>
+            <a:pPr>
+              <a:buFont typeface="Arial" panose="020B0604020202020204" pitchFamily="34" charset="0"/>
+              <a:buChar char="•"/>
+            </a:pPr>
+            <a:r>
+              <a:rPr lang="en-GB" sz="2400" dirty="0"/>
+              <a:t>Ideally write protect the original to avoid it being altered or overwritten</a:t>
+            </a:r>
+          </a:p>
+          <a:p>
+            <a:pPr marL="742950" lvl="1" indent="-285750">
+              <a:buFont typeface="Arial" panose="020B0604020202020204" pitchFamily="34" charset="0"/>
+              <a:buChar char="•"/>
+            </a:pPr>
+            <a:endParaRPr lang="en-GB" sz="2400" dirty="0"/>
+          </a:p>
+          <a:p>
+            <a:pPr marL="0" indent="0">
+              <a:buNone/>
+            </a:pPr>
+            <a:endParaRPr lang="en-US" dirty="0"/>
+          </a:p>
+          <a:p>
+            <a:pPr marL="0" indent="0">
+              <a:buNone/>
+            </a:pPr>
+            <a:endParaRPr lang="en-US" dirty="0"/>
+          </a:p>
+        </p:txBody>
+      </p:sp>
+    </p:spTree>
+    <p:extLst>
+      <p:ext uri="{BB962C8B-B14F-4D97-AF65-F5344CB8AC3E}">
+        <p14:creationId xmlns:p14="http://schemas.microsoft.com/office/powerpoint/2010/main" val="3612063737"/>
+      </p:ext>
+    </p:extLst>
+  </p:cSld>
+  <p:clrMapOvr>
+    <a:masterClrMapping/>
+  </p:clrMapOvr>
+</p:sld>
+</file>
+
+<file path=ppt/slides/slide11.xml><?xml version="1.0" encoding="utf-8"?>
+<p:sld xmlns:a="http://schemas.openxmlformats.org/drawingml/2006/main" xmlns:r="http://schemas.openxmlformats.org/officeDocument/2006/relationships" xmlns:p="http://schemas.openxmlformats.org/presentationml/2006/main">
+  <p:cSld>
+    <p:spTree>
+      <p:nvGrpSpPr>
+        <p:cNvPr id="1" name=""/>
+        <p:cNvGrpSpPr/>
+        <p:nvPr/>
+      </p:nvGrpSpPr>
+      <p:grpSpPr>
+        <a:xfrm>
+          <a:off x="0" y="0"/>
+          <a:ext cx="0" cy="0"/>
+          <a:chOff x="0" y="0"/>
+          <a:chExt cx="0" cy="0"/>
+        </a:xfrm>
+      </p:grpSpPr>
+      <p:sp>
+        <p:nvSpPr>
+          <p:cNvPr id="2" name="Title 1">
+            <a:extLst>
+              <a:ext uri="{FF2B5EF4-FFF2-40B4-BE49-F238E27FC236}">
+                <a16:creationId xmlns:a16="http://schemas.microsoft.com/office/drawing/2014/main" id="{D5F0B7CF-2FEC-8A63-3D5C-6C861FB77E29}"/>
+              </a:ext>
+            </a:extLst>
+          </p:cNvPr>
+          <p:cNvSpPr>
+            <a:spLocks noGrp="1"/>
+          </p:cNvSpPr>
+          <p:nvPr>
+            <p:ph type="title"/>
+          </p:nvPr>
+        </p:nvSpPr>
+        <p:spPr/>
+        <p:txBody>
+          <a:bodyPr/>
+          <a:lstStyle/>
+          <a:p>
+            <a:r>
+              <a:rPr lang="en-US" dirty="0"/>
+              <a:t>Data Handling rules</a:t>
+            </a:r>
+          </a:p>
+        </p:txBody>
+      </p:sp>
+      <p:sp>
+        <p:nvSpPr>
+          <p:cNvPr id="3" name="Content Placeholder 2">
+            <a:extLst>
+              <a:ext uri="{FF2B5EF4-FFF2-40B4-BE49-F238E27FC236}">
+                <a16:creationId xmlns:a16="http://schemas.microsoft.com/office/drawing/2014/main" id="{2D22985D-77BF-87FE-71A1-7CA546BB9B30}"/>
+              </a:ext>
+            </a:extLst>
+          </p:cNvPr>
+          <p:cNvSpPr>
+            <a:spLocks noGrp="1"/>
+          </p:cNvSpPr>
+          <p:nvPr>
+            <p:ph idx="1"/>
+          </p:nvPr>
+        </p:nvSpPr>
         <p:spPr>
           <a:xfrm>
             <a:off x="838200" y="1538751"/>
@@ -3801,7 +4394,7 @@
 </p:sld>
 </file>
 
-<file path=ppt/slides/slide11.xml><?xml version="1.0" encoding="utf-8"?>
+<file path=ppt/slides/slide12.xml><?xml version="1.0" encoding="utf-8"?>
 <p:sld xmlns:a="http://schemas.openxmlformats.org/drawingml/2006/main" xmlns:r="http://schemas.openxmlformats.org/officeDocument/2006/relationships" xmlns:p="http://schemas.openxmlformats.org/presentationml/2006/main">
   <p:cSld>
     <p:spTree>
@@ -5620,7 +6213,7 @@
 </p:sld>
 </file>
 
-<file path=ppt/slides/slide12.xml><?xml version="1.0" encoding="utf-8"?>
+<file path=ppt/slides/slide13.xml><?xml version="1.0" encoding="utf-8"?>
 <p:sld xmlns:a="http://schemas.openxmlformats.org/drawingml/2006/main" xmlns:r="http://schemas.openxmlformats.org/officeDocument/2006/relationships" xmlns:p="http://schemas.openxmlformats.org/presentationml/2006/main">
   <p:cSld>
     <p:spTree>
@@ -5771,7 +6364,7 @@
 </p:sld>
 </file>
 
-<file path=ppt/slides/slide13.xml><?xml version="1.0" encoding="utf-8"?>
+<file path=ppt/slides/slide14.xml><?xml version="1.0" encoding="utf-8"?>
 <p:sld xmlns:a="http://schemas.openxmlformats.org/drawingml/2006/main" xmlns:r="http://schemas.openxmlformats.org/officeDocument/2006/relationships" xmlns:p="http://schemas.openxmlformats.org/presentationml/2006/main">
   <p:cSld>
     <p:spTree>
@@ -6004,7 +6597,7 @@
 </p:sld>
 </file>
 
-<file path=ppt/slides/slide14.xml><?xml version="1.0" encoding="utf-8"?>
+<file path=ppt/slides/slide15.xml><?xml version="1.0" encoding="utf-8"?>
 <p:sld xmlns:a="http://schemas.openxmlformats.org/drawingml/2006/main" xmlns:r="http://schemas.openxmlformats.org/officeDocument/2006/relationships" xmlns:p="http://schemas.openxmlformats.org/presentationml/2006/main">
   <p:cSld>
     <p:spTree>
@@ -7831,7 +8424,7 @@
 </p:sld>
 </file>
 
-<file path=ppt/slides/slide15.xml><?xml version="1.0" encoding="utf-8"?>
+<file path=ppt/slides/slide16.xml><?xml version="1.0" encoding="utf-8"?>
 <p:sld xmlns:a="http://schemas.openxmlformats.org/drawingml/2006/main" xmlns:r="http://schemas.openxmlformats.org/officeDocument/2006/relationships" xmlns:p="http://schemas.openxmlformats.org/presentationml/2006/main">
   <p:cSld>
     <p:spTree>
@@ -7997,7 +8590,7 @@
 </p:sld>
 </file>
 
-<file path=ppt/slides/slide16.xml><?xml version="1.0" encoding="utf-8"?>
+<file path=ppt/slides/slide17.xml><?xml version="1.0" encoding="utf-8"?>
 <p:sld xmlns:a="http://schemas.openxmlformats.org/drawingml/2006/main" xmlns:r="http://schemas.openxmlformats.org/officeDocument/2006/relationships" xmlns:p="http://schemas.openxmlformats.org/presentationml/2006/main">
   <p:cSld>
     <p:spTree>
@@ -9393,7 +9986,7 @@
 </p:sld>
 </file>
 
-<file path=ppt/slides/slide17.xml><?xml version="1.0" encoding="utf-8"?>
+<file path=ppt/slides/slide18.xml><?xml version="1.0" encoding="utf-8"?>
 <p:sld xmlns:a="http://schemas.openxmlformats.org/drawingml/2006/main" xmlns:r="http://schemas.openxmlformats.org/officeDocument/2006/relationships" xmlns:p="http://schemas.openxmlformats.org/presentationml/2006/main">
   <p:cSld>
     <p:spTree>
@@ -9554,7 +10147,7 @@
 </p:sld>
 </file>
 
-<file path=ppt/slides/slide18.xml><?xml version="1.0" encoding="utf-8"?>
+<file path=ppt/slides/slide19.xml><?xml version="1.0" encoding="utf-8"?>
 <p:sld xmlns:a="http://schemas.openxmlformats.org/drawingml/2006/main" xmlns:r="http://schemas.openxmlformats.org/officeDocument/2006/relationships" xmlns:p="http://schemas.openxmlformats.org/presentationml/2006/main">
   <p:cSld>
     <p:spTree>
@@ -10962,150 +11555,6 @@
 </p:sld>
 </file>
 
-<file path=ppt/slides/slide19.xml><?xml version="1.0" encoding="utf-8"?>
-<p:sld xmlns:a="http://schemas.openxmlformats.org/drawingml/2006/main" xmlns:r="http://schemas.openxmlformats.org/officeDocument/2006/relationships" xmlns:p="http://schemas.openxmlformats.org/presentationml/2006/main">
-  <p:cSld>
-    <p:spTree>
-      <p:nvGrpSpPr>
-        <p:cNvPr id="1" name=""/>
-        <p:cNvGrpSpPr/>
-        <p:nvPr/>
-      </p:nvGrpSpPr>
-      <p:grpSpPr>
-        <a:xfrm>
-          <a:off x="0" y="0"/>
-          <a:ext cx="0" cy="0"/>
-          <a:chOff x="0" y="0"/>
-          <a:chExt cx="0" cy="0"/>
-        </a:xfrm>
-      </p:grpSpPr>
-      <p:sp>
-        <p:nvSpPr>
-          <p:cNvPr id="2" name="Title 1">
-            <a:extLst>
-              <a:ext uri="{FF2B5EF4-FFF2-40B4-BE49-F238E27FC236}">
-                <a16:creationId xmlns:a16="http://schemas.microsoft.com/office/drawing/2014/main" id="{43C042CD-D320-1CF7-4654-DB999C9432FA}"/>
-              </a:ext>
-            </a:extLst>
-          </p:cNvPr>
-          <p:cNvSpPr>
-            <a:spLocks noGrp="1"/>
-          </p:cNvSpPr>
-          <p:nvPr>
-            <p:ph type="title"/>
-          </p:nvPr>
-        </p:nvSpPr>
-        <p:spPr/>
-        <p:txBody>
-          <a:bodyPr/>
-          <a:lstStyle/>
-          <a:p>
-            <a:r>
-              <a:rPr lang="en-US" dirty="0"/>
-              <a:t>Data Handling rules</a:t>
-            </a:r>
-          </a:p>
-        </p:txBody>
-      </p:sp>
-      <p:sp>
-        <p:nvSpPr>
-          <p:cNvPr id="3" name="Content Placeholder 2">
-            <a:extLst>
-              <a:ext uri="{FF2B5EF4-FFF2-40B4-BE49-F238E27FC236}">
-                <a16:creationId xmlns:a16="http://schemas.microsoft.com/office/drawing/2014/main" id="{98AE209A-6E48-04AF-7636-62D7CA02F73F}"/>
-              </a:ext>
-            </a:extLst>
-          </p:cNvPr>
-          <p:cNvSpPr>
-            <a:spLocks noGrp="1"/>
-          </p:cNvSpPr>
-          <p:nvPr>
-            <p:ph idx="1"/>
-          </p:nvPr>
-        </p:nvSpPr>
-        <p:spPr/>
-        <p:txBody>
-          <a:bodyPr>
-            <a:normAutofit/>
-          </a:bodyPr>
-          <a:lstStyle/>
-          <a:p>
-            <a:pPr marL="0" indent="0">
-              <a:buNone/>
-            </a:pPr>
-            <a:r>
-              <a:rPr lang="en-GB" sz="2800" b="1" dirty="0"/>
-              <a:t>Rule 5 - Make it rectangular</a:t>
-            </a:r>
-          </a:p>
-          <a:p>
-            <a:pPr>
-              <a:buFont typeface="Arial" panose="020B0604020202020204" pitchFamily="34" charset="0"/>
-              <a:buChar char="•"/>
-            </a:pPr>
-            <a:r>
-              <a:rPr lang="en-GB" sz="2800" dirty="0"/>
-              <a:t>The computer expects a very rigid shape of data with rows and columns</a:t>
-            </a:r>
-          </a:p>
-          <a:p>
-            <a:pPr>
-              <a:buFont typeface="Arial" panose="020B0604020202020204" pitchFamily="34" charset="0"/>
-              <a:buChar char="•"/>
-            </a:pPr>
-            <a:r>
-              <a:rPr lang="en-GB" sz="2800" dirty="0"/>
-              <a:t>Each column is a </a:t>
-            </a:r>
-            <a:r>
-              <a:rPr lang="en-GB" sz="2800" i="1" dirty="0"/>
-              <a:t>variable </a:t>
-            </a:r>
-            <a:r>
-              <a:rPr lang="en-GB" sz="2800" dirty="0"/>
-              <a:t>being examined</a:t>
-            </a:r>
-          </a:p>
-          <a:p>
-            <a:pPr>
-              <a:buFont typeface="Arial" panose="020B0604020202020204" pitchFamily="34" charset="0"/>
-              <a:buChar char="•"/>
-            </a:pPr>
-            <a:r>
-              <a:rPr lang="en-GB" sz="2800" dirty="0"/>
-              <a:t>Each row is an observation</a:t>
-            </a:r>
-          </a:p>
-          <a:p>
-            <a:pPr>
-              <a:buFont typeface="Arial" panose="020B0604020202020204" pitchFamily="34" charset="0"/>
-              <a:buChar char="•"/>
-            </a:pPr>
-            <a:r>
-              <a:rPr lang="en-GB" sz="2800" dirty="0"/>
-              <a:t>A concept commonly known as </a:t>
-            </a:r>
-            <a:r>
-              <a:rPr lang="en-GB" sz="2800" i="1" dirty="0"/>
-              <a:t>tidy data</a:t>
-            </a:r>
-            <a:endParaRPr lang="en-GB" sz="2800" b="1" dirty="0"/>
-          </a:p>
-        </p:txBody>
-      </p:sp>
-    </p:spTree>
-    <p:extLst>
-      <p:ext uri="{BB962C8B-B14F-4D97-AF65-F5344CB8AC3E}">
-        <p14:creationId xmlns:p14="http://schemas.microsoft.com/office/powerpoint/2010/main" val="3468645137"/>
-      </p:ext>
-    </p:extLst>
-  </p:cSld>
-  <p:clrMapOvr>
-    <a:masterClrMapping/>
-  </p:clrMapOvr>
-</p:sld>
-</file>
-
 <file path=ppt/slides/slide2.xml><?xml version="1.0" encoding="utf-8"?>
 <p:sld xmlns:a="http://schemas.openxmlformats.org/drawingml/2006/main" xmlns:r="http://schemas.openxmlformats.org/officeDocument/2006/relationships" xmlns:p="http://schemas.openxmlformats.org/presentationml/2006/main">
   <p:cSld>
@@ -11308,6 +11757,154 @@
               <a:t>Rule 5 - Make it rectangular</a:t>
             </a:r>
           </a:p>
+          <a:p>
+            <a:pPr>
+              <a:buFont typeface="Arial" panose="020B0604020202020204" pitchFamily="34" charset="0"/>
+              <a:buChar char="•"/>
+            </a:pPr>
+            <a:r>
+              <a:rPr lang="en-GB" sz="2800" dirty="0"/>
+              <a:t>Analysis software expects a very rigid shape of data with rows and columns</a:t>
+            </a:r>
+          </a:p>
+          <a:p>
+            <a:pPr>
+              <a:buFont typeface="Arial" panose="020B0604020202020204" pitchFamily="34" charset="0"/>
+              <a:buChar char="•"/>
+            </a:pPr>
+            <a:r>
+              <a:rPr lang="en-GB" sz="2800" dirty="0"/>
+              <a:t>Each column is a </a:t>
+            </a:r>
+            <a:r>
+              <a:rPr lang="en-GB" sz="2800" i="1" dirty="0"/>
+              <a:t>variable </a:t>
+            </a:r>
+            <a:r>
+              <a:rPr lang="en-GB" sz="2800" dirty="0"/>
+              <a:t>being examined</a:t>
+            </a:r>
+          </a:p>
+          <a:p>
+            <a:pPr>
+              <a:buFont typeface="Arial" panose="020B0604020202020204" pitchFamily="34" charset="0"/>
+              <a:buChar char="•"/>
+            </a:pPr>
+            <a:r>
+              <a:rPr lang="en-GB" sz="2800" dirty="0"/>
+              <a:t>Each row is an </a:t>
+            </a:r>
+            <a:r>
+              <a:rPr lang="en-GB" sz="2800" i="1" dirty="0"/>
+              <a:t>observation</a:t>
+            </a:r>
+          </a:p>
+          <a:p>
+            <a:pPr>
+              <a:buFont typeface="Arial" panose="020B0604020202020204" pitchFamily="34" charset="0"/>
+              <a:buChar char="•"/>
+            </a:pPr>
+            <a:r>
+              <a:rPr lang="en-GB" sz="2800" dirty="0"/>
+              <a:t>A concept commonly known as </a:t>
+            </a:r>
+            <a:r>
+              <a:rPr lang="en-GB" sz="2800" i="1" dirty="0"/>
+              <a:t>tidy data</a:t>
+            </a:r>
+            <a:endParaRPr lang="en-GB" sz="2800" b="1" dirty="0"/>
+          </a:p>
+        </p:txBody>
+      </p:sp>
+    </p:spTree>
+    <p:extLst>
+      <p:ext uri="{BB962C8B-B14F-4D97-AF65-F5344CB8AC3E}">
+        <p14:creationId xmlns:p14="http://schemas.microsoft.com/office/powerpoint/2010/main" val="3468645137"/>
+      </p:ext>
+    </p:extLst>
+  </p:cSld>
+  <p:clrMapOvr>
+    <a:masterClrMapping/>
+  </p:clrMapOvr>
+</p:sld>
+</file>
+
+<file path=ppt/slides/slide21.xml><?xml version="1.0" encoding="utf-8"?>
+<p:sld xmlns:a="http://schemas.openxmlformats.org/drawingml/2006/main" xmlns:r="http://schemas.openxmlformats.org/officeDocument/2006/relationships" xmlns:p="http://schemas.openxmlformats.org/presentationml/2006/main">
+  <p:cSld>
+    <p:spTree>
+      <p:nvGrpSpPr>
+        <p:cNvPr id="1" name=""/>
+        <p:cNvGrpSpPr/>
+        <p:nvPr/>
+      </p:nvGrpSpPr>
+      <p:grpSpPr>
+        <a:xfrm>
+          <a:off x="0" y="0"/>
+          <a:ext cx="0" cy="0"/>
+          <a:chOff x="0" y="0"/>
+          <a:chExt cx="0" cy="0"/>
+        </a:xfrm>
+      </p:grpSpPr>
+      <p:sp>
+        <p:nvSpPr>
+          <p:cNvPr id="2" name="Title 1">
+            <a:extLst>
+              <a:ext uri="{FF2B5EF4-FFF2-40B4-BE49-F238E27FC236}">
+                <a16:creationId xmlns:a16="http://schemas.microsoft.com/office/drawing/2014/main" id="{43C042CD-D320-1CF7-4654-DB999C9432FA}"/>
+              </a:ext>
+            </a:extLst>
+          </p:cNvPr>
+          <p:cNvSpPr>
+            <a:spLocks noGrp="1"/>
+          </p:cNvSpPr>
+          <p:nvPr>
+            <p:ph type="title"/>
+          </p:nvPr>
+        </p:nvSpPr>
+        <p:spPr/>
+        <p:txBody>
+          <a:bodyPr/>
+          <a:lstStyle/>
+          <a:p>
+            <a:r>
+              <a:rPr lang="en-US" dirty="0"/>
+              <a:t>Data Handling rules</a:t>
+            </a:r>
+          </a:p>
+        </p:txBody>
+      </p:sp>
+      <p:sp>
+        <p:nvSpPr>
+          <p:cNvPr id="3" name="Content Placeholder 2">
+            <a:extLst>
+              <a:ext uri="{FF2B5EF4-FFF2-40B4-BE49-F238E27FC236}">
+                <a16:creationId xmlns:a16="http://schemas.microsoft.com/office/drawing/2014/main" id="{98AE209A-6E48-04AF-7636-62D7CA02F73F}"/>
+              </a:ext>
+            </a:extLst>
+          </p:cNvPr>
+          <p:cNvSpPr>
+            <a:spLocks noGrp="1"/>
+          </p:cNvSpPr>
+          <p:nvPr>
+            <p:ph idx="1"/>
+          </p:nvPr>
+        </p:nvSpPr>
+        <p:spPr/>
+        <p:txBody>
+          <a:bodyPr>
+            <a:normAutofit/>
+          </a:bodyPr>
+          <a:lstStyle/>
+          <a:p>
+            <a:pPr marL="0" indent="0">
+              <a:buNone/>
+            </a:pPr>
+            <a:r>
+              <a:rPr lang="en-GB" sz="2800" b="1" dirty="0"/>
+              <a:t>Rule 5 - Make it rectangular</a:t>
+            </a:r>
+          </a:p>
         </p:txBody>
       </p:sp>
       <p:pic>
@@ -11359,7 +11956,7 @@
 </p:sld>
 </file>
 
-<file path=ppt/slides/slide21.xml><?xml version="1.0" encoding="utf-8"?>
+<file path=ppt/slides/slide22.xml><?xml version="1.0" encoding="utf-8"?>
 <p:sld xmlns:a="http://schemas.openxmlformats.org/drawingml/2006/main" xmlns:r="http://schemas.openxmlformats.org/officeDocument/2006/relationships" xmlns:p="http://schemas.openxmlformats.org/presentationml/2006/main">
   <p:cSld>
     <p:spTree>
@@ -11486,116 +12083,6 @@
 </p:sld>
 </file>
 
-<file path=ppt/slides/slide22.xml><?xml version="1.0" encoding="utf-8"?>
-<p:sld xmlns:a="http://schemas.openxmlformats.org/drawingml/2006/main" xmlns:r="http://schemas.openxmlformats.org/officeDocument/2006/relationships" xmlns:p="http://schemas.openxmlformats.org/presentationml/2006/main">
-  <p:cSld>
-    <p:spTree>
-      <p:nvGrpSpPr>
-        <p:cNvPr id="1" name=""/>
-        <p:cNvGrpSpPr/>
-        <p:nvPr/>
-      </p:nvGrpSpPr>
-      <p:grpSpPr>
-        <a:xfrm>
-          <a:off x="0" y="0"/>
-          <a:ext cx="0" cy="0"/>
-          <a:chOff x="0" y="0"/>
-          <a:chExt cx="0" cy="0"/>
-        </a:xfrm>
-      </p:grpSpPr>
-      <p:sp>
-        <p:nvSpPr>
-          <p:cNvPr id="2" name="Title 1">
-            <a:extLst>
-              <a:ext uri="{FF2B5EF4-FFF2-40B4-BE49-F238E27FC236}">
-                <a16:creationId xmlns:a16="http://schemas.microsoft.com/office/drawing/2014/main" id="{43C042CD-D320-1CF7-4654-DB999C9432FA}"/>
-              </a:ext>
-            </a:extLst>
-          </p:cNvPr>
-          <p:cNvSpPr>
-            <a:spLocks noGrp="1"/>
-          </p:cNvSpPr>
-          <p:nvPr>
-            <p:ph type="title"/>
-          </p:nvPr>
-        </p:nvSpPr>
-        <p:spPr/>
-        <p:txBody>
-          <a:bodyPr/>
-          <a:lstStyle/>
-          <a:p>
-            <a:r>
-              <a:rPr lang="en-US" dirty="0"/>
-              <a:t>Data Handling rules</a:t>
-            </a:r>
-          </a:p>
-        </p:txBody>
-      </p:sp>
-      <p:sp>
-        <p:nvSpPr>
-          <p:cNvPr id="3" name="Content Placeholder 2">
-            <a:extLst>
-              <a:ext uri="{FF2B5EF4-FFF2-40B4-BE49-F238E27FC236}">
-                <a16:creationId xmlns:a16="http://schemas.microsoft.com/office/drawing/2014/main" id="{98AE209A-6E48-04AF-7636-62D7CA02F73F}"/>
-              </a:ext>
-            </a:extLst>
-          </p:cNvPr>
-          <p:cNvSpPr>
-            <a:spLocks noGrp="1"/>
-          </p:cNvSpPr>
-          <p:nvPr>
-            <p:ph idx="1"/>
-          </p:nvPr>
-        </p:nvSpPr>
-        <p:spPr/>
-        <p:txBody>
-          <a:bodyPr>
-            <a:normAutofit/>
-          </a:bodyPr>
-          <a:lstStyle/>
-          <a:p>
-            <a:pPr marL="0" indent="0">
-              <a:buNone/>
-            </a:pPr>
-            <a:r>
-              <a:rPr lang="en-GB" sz="2800" b="1" dirty="0"/>
-              <a:t>Rule 6 – Do your data entry in a timely fashion</a:t>
-            </a:r>
-          </a:p>
-          <a:p>
-            <a:r>
-              <a:rPr lang="en-GB" dirty="0"/>
-              <a:t>It is tempting to focus on data collection and leave data entry to later date</a:t>
-            </a:r>
-          </a:p>
-          <a:p>
-            <a:r>
-              <a:rPr lang="en-GB" sz="2800" dirty="0"/>
-              <a:t>This can lead to problems if your records are not perfect</a:t>
-            </a:r>
-          </a:p>
-          <a:p>
-            <a:r>
-              <a:rPr lang="en-GB" dirty="0"/>
-              <a:t>Lab/Field notebooks can be easily damaged or lost</a:t>
-            </a:r>
-            <a:endParaRPr lang="en-GB" sz="2800" dirty="0"/>
-          </a:p>
-        </p:txBody>
-      </p:sp>
-    </p:spTree>
-    <p:extLst>
-      <p:ext uri="{BB962C8B-B14F-4D97-AF65-F5344CB8AC3E}">
-        <p14:creationId xmlns:p14="http://schemas.microsoft.com/office/powerpoint/2010/main" val="1676432543"/>
-      </p:ext>
-    </p:extLst>
-  </p:cSld>
-  <p:clrMapOvr>
-    <a:masterClrMapping/>
-  </p:clrMapOvr>
-</p:sld>
-</file>
-
 <file path=ppt/slides/slide23.xml><?xml version="1.0" encoding="utf-8"?>
 <p:sld xmlns:a="http://schemas.openxmlformats.org/drawingml/2006/main" xmlns:r="http://schemas.openxmlformats.org/officeDocument/2006/relationships" xmlns:p="http://schemas.openxmlformats.org/presentationml/2006/main">
   <p:cSld>
@@ -11664,48 +12151,39 @@
           </a:bodyPr>
           <a:lstStyle/>
           <a:p>
-            <a:r>
-              <a:rPr lang="en-GB" sz="2800" b="1" dirty="0"/>
-              <a:t>Rule 1 - Never work directly on the raw data</a:t>
-            </a:r>
-            <a:endParaRPr lang="en-GB" sz="2800" b="1" u="sng" dirty="0"/>
-          </a:p>
-          <a:p>
-            <a:r>
-              <a:rPr lang="en-GB" sz="2800" b="1" dirty="0"/>
-              <a:t>Rule 2 - Maintain consistency</a:t>
-            </a:r>
-          </a:p>
-          <a:p>
-            <a:r>
-              <a:rPr lang="en-GB" sz="2800" b="1" dirty="0"/>
-              <a:t>Rule 3 - Don't use 0 to mean missing</a:t>
-            </a:r>
-          </a:p>
-          <a:p>
-            <a:r>
-              <a:rPr lang="en-GB" sz="2800" b="1" dirty="0"/>
-              <a:t>Rule 4 - Fill in all the cells</a:t>
-            </a:r>
-          </a:p>
-          <a:p>
-            <a:r>
-              <a:rPr lang="en-GB" sz="2800" b="1" dirty="0"/>
-              <a:t>Rule 5 - Make it rectangular</a:t>
-            </a:r>
-          </a:p>
-          <a:p>
+            <a:pPr marL="0" indent="0">
+              <a:buNone/>
+            </a:pPr>
             <a:r>
               <a:rPr lang="en-GB" sz="2800" b="1" dirty="0"/>
               <a:t>Rule 6 – Do your data entry in a timely fashion</a:t>
             </a:r>
+          </a:p>
+          <a:p>
+            <a:r>
+              <a:rPr lang="en-GB" dirty="0"/>
+              <a:t>It is tempting to focus on data collection and leave data entry to later date</a:t>
+            </a:r>
+          </a:p>
+          <a:p>
+            <a:r>
+              <a:rPr lang="en-GB" sz="2800" dirty="0"/>
+              <a:t>This can lead to problems if your records are not perfect</a:t>
+            </a:r>
+          </a:p>
+          <a:p>
+            <a:r>
+              <a:rPr lang="en-GB" dirty="0"/>
+              <a:t>Lab/Field notebooks can be easily damaged or lost</a:t>
+            </a:r>
+            <a:endParaRPr lang="en-GB" sz="2800" dirty="0"/>
           </a:p>
         </p:txBody>
       </p:sp>
     </p:spTree>
     <p:extLst>
       <p:ext uri="{BB962C8B-B14F-4D97-AF65-F5344CB8AC3E}">
-        <p14:creationId xmlns:p14="http://schemas.microsoft.com/office/powerpoint/2010/main" val="1974591656"/>
+        <p14:creationId xmlns:p14="http://schemas.microsoft.com/office/powerpoint/2010/main" val="1676432543"/>
       </p:ext>
     </p:extLst>
   </p:cSld>
@@ -11716,6 +12194,125 @@
 </file>
 
 <file path=ppt/slides/slide24.xml><?xml version="1.0" encoding="utf-8"?>
+<p:sld xmlns:a="http://schemas.openxmlformats.org/drawingml/2006/main" xmlns:r="http://schemas.openxmlformats.org/officeDocument/2006/relationships" xmlns:p="http://schemas.openxmlformats.org/presentationml/2006/main">
+  <p:cSld>
+    <p:spTree>
+      <p:nvGrpSpPr>
+        <p:cNvPr id="1" name=""/>
+        <p:cNvGrpSpPr/>
+        <p:nvPr/>
+      </p:nvGrpSpPr>
+      <p:grpSpPr>
+        <a:xfrm>
+          <a:off x="0" y="0"/>
+          <a:ext cx="0" cy="0"/>
+          <a:chOff x="0" y="0"/>
+          <a:chExt cx="0" cy="0"/>
+        </a:xfrm>
+      </p:grpSpPr>
+      <p:sp>
+        <p:nvSpPr>
+          <p:cNvPr id="2" name="Title 1">
+            <a:extLst>
+              <a:ext uri="{FF2B5EF4-FFF2-40B4-BE49-F238E27FC236}">
+                <a16:creationId xmlns:a16="http://schemas.microsoft.com/office/drawing/2014/main" id="{43C042CD-D320-1CF7-4654-DB999C9432FA}"/>
+              </a:ext>
+            </a:extLst>
+          </p:cNvPr>
+          <p:cNvSpPr>
+            <a:spLocks noGrp="1"/>
+          </p:cNvSpPr>
+          <p:nvPr>
+            <p:ph type="title"/>
+          </p:nvPr>
+        </p:nvSpPr>
+        <p:spPr/>
+        <p:txBody>
+          <a:bodyPr/>
+          <a:lstStyle/>
+          <a:p>
+            <a:r>
+              <a:rPr lang="en-US" dirty="0"/>
+              <a:t>Data Handling rules</a:t>
+            </a:r>
+          </a:p>
+        </p:txBody>
+      </p:sp>
+      <p:sp>
+        <p:nvSpPr>
+          <p:cNvPr id="3" name="Content Placeholder 2">
+            <a:extLst>
+              <a:ext uri="{FF2B5EF4-FFF2-40B4-BE49-F238E27FC236}">
+                <a16:creationId xmlns:a16="http://schemas.microsoft.com/office/drawing/2014/main" id="{98AE209A-6E48-04AF-7636-62D7CA02F73F}"/>
+              </a:ext>
+            </a:extLst>
+          </p:cNvPr>
+          <p:cNvSpPr>
+            <a:spLocks noGrp="1"/>
+          </p:cNvSpPr>
+          <p:nvPr>
+            <p:ph idx="1"/>
+          </p:nvPr>
+        </p:nvSpPr>
+        <p:spPr/>
+        <p:txBody>
+          <a:bodyPr>
+            <a:normAutofit/>
+          </a:bodyPr>
+          <a:lstStyle/>
+          <a:p>
+            <a:r>
+              <a:rPr lang="en-GB" sz="2800" b="1" dirty="0"/>
+              <a:t>Rule 1 - Never work directly on the raw data</a:t>
+            </a:r>
+            <a:endParaRPr lang="en-GB" sz="2800" b="1" u="sng" dirty="0"/>
+          </a:p>
+          <a:p>
+            <a:r>
+              <a:rPr lang="en-GB" sz="2800" b="1" dirty="0"/>
+              <a:t>Rule 2 - Maintain consistency</a:t>
+            </a:r>
+          </a:p>
+          <a:p>
+            <a:r>
+              <a:rPr lang="en-GB" sz="2800" b="1" dirty="0"/>
+              <a:t>Rule 3 - Don't use 0 to mean missing</a:t>
+            </a:r>
+          </a:p>
+          <a:p>
+            <a:r>
+              <a:rPr lang="en-GB" sz="2800" b="1" dirty="0"/>
+              <a:t>Rule 4 - Fill in all the cells</a:t>
+            </a:r>
+          </a:p>
+          <a:p>
+            <a:r>
+              <a:rPr lang="en-GB" sz="2800" b="1" dirty="0"/>
+              <a:t>Rule 5 - Make it rectangular</a:t>
+            </a:r>
+          </a:p>
+          <a:p>
+            <a:r>
+              <a:rPr lang="en-GB" sz="2800" b="1" dirty="0"/>
+              <a:t>Rule 6 - Do your data entry in a timely fashion</a:t>
+            </a:r>
+          </a:p>
+        </p:txBody>
+      </p:sp>
+    </p:spTree>
+    <p:extLst>
+      <p:ext uri="{BB962C8B-B14F-4D97-AF65-F5344CB8AC3E}">
+        <p14:creationId xmlns:p14="http://schemas.microsoft.com/office/powerpoint/2010/main" val="175649612"/>
+      </p:ext>
+    </p:extLst>
+  </p:cSld>
+  <p:clrMapOvr>
+    <a:masterClrMapping/>
+  </p:clrMapOvr>
+</p:sld>
+</file>
+
+<file path=ppt/slides/slide25.xml><?xml version="1.0" encoding="utf-8"?>
 <p:sld xmlns:a="http://schemas.openxmlformats.org/drawingml/2006/main" xmlns:r="http://schemas.openxmlformats.org/officeDocument/2006/relationships" xmlns:p="http://schemas.openxmlformats.org/presentationml/2006/main">
   <p:cSld>
     <p:spTree>
@@ -11885,7 +12482,7 @@
 </p:sld>
 </file>
 
-<file path=ppt/slides/slide25.xml><?xml version="1.0" encoding="utf-8"?>
+<file path=ppt/slides/slide26.xml><?xml version="1.0" encoding="utf-8"?>
 <p:sld xmlns:a="http://schemas.openxmlformats.org/drawingml/2006/main" xmlns:r="http://schemas.openxmlformats.org/officeDocument/2006/relationships" xmlns:p="http://schemas.openxmlformats.org/presentationml/2006/main">
   <p:cSld>
     <p:spTree>
@@ -12899,6 +13496,125 @@
           <p:cNvPr id="2" name="Title 1">
             <a:extLst>
               <a:ext uri="{FF2B5EF4-FFF2-40B4-BE49-F238E27FC236}">
+                <a16:creationId xmlns:a16="http://schemas.microsoft.com/office/drawing/2014/main" id="{43C042CD-D320-1CF7-4654-DB999C9432FA}"/>
+              </a:ext>
+            </a:extLst>
+          </p:cNvPr>
+          <p:cNvSpPr>
+            <a:spLocks noGrp="1"/>
+          </p:cNvSpPr>
+          <p:nvPr>
+            <p:ph type="title"/>
+          </p:nvPr>
+        </p:nvSpPr>
+        <p:spPr/>
+        <p:txBody>
+          <a:bodyPr/>
+          <a:lstStyle/>
+          <a:p>
+            <a:r>
+              <a:rPr lang="en-US" dirty="0"/>
+              <a:t>Data Handling rules</a:t>
+            </a:r>
+          </a:p>
+        </p:txBody>
+      </p:sp>
+      <p:sp>
+        <p:nvSpPr>
+          <p:cNvPr id="3" name="Content Placeholder 2">
+            <a:extLst>
+              <a:ext uri="{FF2B5EF4-FFF2-40B4-BE49-F238E27FC236}">
+                <a16:creationId xmlns:a16="http://schemas.microsoft.com/office/drawing/2014/main" id="{98AE209A-6E48-04AF-7636-62D7CA02F73F}"/>
+              </a:ext>
+            </a:extLst>
+          </p:cNvPr>
+          <p:cNvSpPr>
+            <a:spLocks noGrp="1"/>
+          </p:cNvSpPr>
+          <p:nvPr>
+            <p:ph idx="1"/>
+          </p:nvPr>
+        </p:nvSpPr>
+        <p:spPr/>
+        <p:txBody>
+          <a:bodyPr>
+            <a:normAutofit/>
+          </a:bodyPr>
+          <a:lstStyle/>
+          <a:p>
+            <a:r>
+              <a:rPr lang="en-GB" sz="2800" b="1" dirty="0"/>
+              <a:t>Rule 1 - Never work directly on the raw data</a:t>
+            </a:r>
+            <a:endParaRPr lang="en-GB" sz="2800" b="1" u="sng" dirty="0"/>
+          </a:p>
+          <a:p>
+            <a:r>
+              <a:rPr lang="en-GB" sz="2800" b="1" dirty="0"/>
+              <a:t>Rule 2 - Maintain consistency</a:t>
+            </a:r>
+          </a:p>
+          <a:p>
+            <a:r>
+              <a:rPr lang="en-GB" sz="2800" b="1" dirty="0"/>
+              <a:t>Rule 3 - Don't use 0 to mean missing</a:t>
+            </a:r>
+          </a:p>
+          <a:p>
+            <a:r>
+              <a:rPr lang="en-GB" sz="2800" b="1" dirty="0"/>
+              <a:t>Rule 4 - Fill in all the cells</a:t>
+            </a:r>
+          </a:p>
+          <a:p>
+            <a:r>
+              <a:rPr lang="en-GB" sz="2800" b="1" dirty="0"/>
+              <a:t>Rule 5 - Make it rectangular</a:t>
+            </a:r>
+          </a:p>
+          <a:p>
+            <a:r>
+              <a:rPr lang="en-GB" sz="2800" b="1" dirty="0"/>
+              <a:t>Rule 6 - Do your data entry in a timely fashion</a:t>
+            </a:r>
+          </a:p>
+        </p:txBody>
+      </p:sp>
+    </p:spTree>
+    <p:extLst>
+      <p:ext uri="{BB962C8B-B14F-4D97-AF65-F5344CB8AC3E}">
+        <p14:creationId xmlns:p14="http://schemas.microsoft.com/office/powerpoint/2010/main" val="1974591656"/>
+      </p:ext>
+    </p:extLst>
+  </p:cSld>
+  <p:clrMapOvr>
+    <a:masterClrMapping/>
+  </p:clrMapOvr>
+</p:sld>
+</file>
+
+<file path=ppt/slides/slide9.xml><?xml version="1.0" encoding="utf-8"?>
+<p:sld xmlns:a="http://schemas.openxmlformats.org/drawingml/2006/main" xmlns:r="http://schemas.openxmlformats.org/officeDocument/2006/relationships" xmlns:p="http://schemas.openxmlformats.org/presentationml/2006/main">
+  <p:cSld>
+    <p:spTree>
+      <p:nvGrpSpPr>
+        <p:cNvPr id="1" name=""/>
+        <p:cNvGrpSpPr/>
+        <p:nvPr/>
+      </p:nvGrpSpPr>
+      <p:grpSpPr>
+        <a:xfrm>
+          <a:off x="0" y="0"/>
+          <a:ext cx="0" cy="0"/>
+          <a:chOff x="0" y="0"/>
+          <a:chExt cx="0" cy="0"/>
+        </a:xfrm>
+      </p:grpSpPr>
+      <p:sp>
+        <p:nvSpPr>
+          <p:cNvPr id="2" name="Title 1">
+            <a:extLst>
+              <a:ext uri="{FF2B5EF4-FFF2-40B4-BE49-F238E27FC236}">
                 <a16:creationId xmlns:a16="http://schemas.microsoft.com/office/drawing/2014/main" id="{D5F0B7CF-2FEC-8A63-3D5C-6C861FB77E29}"/>
               </a:ext>
             </a:extLst>
@@ -13010,158 +13726,6 @@
     <p:extLst>
       <p:ext uri="{BB962C8B-B14F-4D97-AF65-F5344CB8AC3E}">
         <p14:creationId xmlns:p14="http://schemas.microsoft.com/office/powerpoint/2010/main" val="2026498715"/>
-      </p:ext>
-    </p:extLst>
-  </p:cSld>
-  <p:clrMapOvr>
-    <a:masterClrMapping/>
-  </p:clrMapOvr>
-</p:sld>
-</file>
-
-<file path=ppt/slides/slide9.xml><?xml version="1.0" encoding="utf-8"?>
-<p:sld xmlns:a="http://schemas.openxmlformats.org/drawingml/2006/main" xmlns:r="http://schemas.openxmlformats.org/officeDocument/2006/relationships" xmlns:p="http://schemas.openxmlformats.org/presentationml/2006/main">
-  <p:cSld>
-    <p:spTree>
-      <p:nvGrpSpPr>
-        <p:cNvPr id="1" name=""/>
-        <p:cNvGrpSpPr/>
-        <p:nvPr/>
-      </p:nvGrpSpPr>
-      <p:grpSpPr>
-        <a:xfrm>
-          <a:off x="0" y="0"/>
-          <a:ext cx="0" cy="0"/>
-          <a:chOff x="0" y="0"/>
-          <a:chExt cx="0" cy="0"/>
-        </a:xfrm>
-      </p:grpSpPr>
-      <p:sp>
-        <p:nvSpPr>
-          <p:cNvPr id="2" name="Title 1">
-            <a:extLst>
-              <a:ext uri="{FF2B5EF4-FFF2-40B4-BE49-F238E27FC236}">
-                <a16:creationId xmlns:a16="http://schemas.microsoft.com/office/drawing/2014/main" id="{D5F0B7CF-2FEC-8A63-3D5C-6C861FB77E29}"/>
-              </a:ext>
-            </a:extLst>
-          </p:cNvPr>
-          <p:cNvSpPr>
-            <a:spLocks noGrp="1"/>
-          </p:cNvSpPr>
-          <p:nvPr>
-            <p:ph type="title"/>
-          </p:nvPr>
-        </p:nvSpPr>
-        <p:spPr/>
-        <p:txBody>
-          <a:bodyPr/>
-          <a:lstStyle/>
-          <a:p>
-            <a:r>
-              <a:rPr lang="en-US" dirty="0"/>
-              <a:t>Data Handling rules</a:t>
-            </a:r>
-          </a:p>
-        </p:txBody>
-      </p:sp>
-      <p:sp>
-        <p:nvSpPr>
-          <p:cNvPr id="3" name="Content Placeholder 2">
-            <a:extLst>
-              <a:ext uri="{FF2B5EF4-FFF2-40B4-BE49-F238E27FC236}">
-                <a16:creationId xmlns:a16="http://schemas.microsoft.com/office/drawing/2014/main" id="{2D22985D-77BF-87FE-71A1-7CA546BB9B30}"/>
-              </a:ext>
-            </a:extLst>
-          </p:cNvPr>
-          <p:cNvSpPr>
-            <a:spLocks noGrp="1"/>
-          </p:cNvSpPr>
-          <p:nvPr>
-            <p:ph idx="1"/>
-          </p:nvPr>
-        </p:nvSpPr>
-        <p:spPr/>
-        <p:txBody>
-          <a:bodyPr/>
-          <a:lstStyle/>
-          <a:p>
-            <a:pPr marL="0" indent="0">
-              <a:buNone/>
-            </a:pPr>
-            <a:r>
-              <a:rPr lang="en-US" b="1" dirty="0"/>
-              <a:t>Rule 1 - Never work directly on the raw data</a:t>
-            </a:r>
-          </a:p>
-          <a:p>
-            <a:pPr>
-              <a:buFont typeface="Arial" panose="020B0604020202020204" pitchFamily="34" charset="0"/>
-              <a:buChar char="•"/>
-            </a:pPr>
-            <a:r>
-              <a:rPr lang="en-GB" sz="2400" dirty="0"/>
-              <a:t>Hard to reverse all the manual steps performed</a:t>
-            </a:r>
-          </a:p>
-          <a:p>
-            <a:pPr>
-              <a:buFont typeface="Arial" panose="020B0604020202020204" pitchFamily="34" charset="0"/>
-              <a:buChar char="•"/>
-            </a:pPr>
-            <a:r>
-              <a:rPr lang="en-GB" sz="2400" dirty="0"/>
-              <a:t>Keep the original data somewhere </a:t>
-            </a:r>
-            <a:r>
-              <a:rPr lang="en-GB" sz="2400" b="1" u="sng" dirty="0"/>
-              <a:t>safe</a:t>
-            </a:r>
-          </a:p>
-          <a:p>
-            <a:pPr>
-              <a:buFont typeface="Arial" panose="020B0604020202020204" pitchFamily="34" charset="0"/>
-              <a:buChar char="•"/>
-            </a:pPr>
-            <a:r>
-              <a:rPr lang="en-GB" sz="2400" dirty="0"/>
-              <a:t>Make a copy of the original and work on that</a:t>
-            </a:r>
-          </a:p>
-          <a:p>
-            <a:pPr>
-              <a:buFont typeface="Arial" panose="020B0604020202020204" pitchFamily="34" charset="0"/>
-              <a:buChar char="•"/>
-            </a:pPr>
-            <a:r>
-              <a:rPr lang="en-GB" sz="2400" dirty="0"/>
-              <a:t>Ideally write protect the original to avoid it being altered or overwritten</a:t>
-            </a:r>
-          </a:p>
-          <a:p>
-            <a:pPr marL="742950" lvl="1" indent="-285750">
-              <a:buFont typeface="Arial" panose="020B0604020202020204" pitchFamily="34" charset="0"/>
-              <a:buChar char="•"/>
-            </a:pPr>
-            <a:endParaRPr lang="en-GB" sz="2400" dirty="0"/>
-          </a:p>
-          <a:p>
-            <a:pPr marL="0" indent="0">
-              <a:buNone/>
-            </a:pPr>
-            <a:endParaRPr lang="en-US" dirty="0"/>
-          </a:p>
-          <a:p>
-            <a:pPr marL="0" indent="0">
-              <a:buNone/>
-            </a:pPr>
-            <a:endParaRPr lang="en-US" dirty="0"/>
-          </a:p>
-        </p:txBody>
-      </p:sp>
-    </p:spTree>
-    <p:extLst>
-      <p:ext uri="{BB962C8B-B14F-4D97-AF65-F5344CB8AC3E}">
-        <p14:creationId xmlns:p14="http://schemas.microsoft.com/office/powerpoint/2010/main" val="3612063737"/>
       </p:ext>
     </p:extLst>
   </p:cSld>
@@ -13464,4 +14028,299 @@
     </a:ext>
   </a:extLst>
 </a:theme>
+</file>
+
+<file path=ppt/theme/theme2.xml><?xml version="1.0" encoding="utf-8"?>
+<a:theme xmlns:a="http://schemas.openxmlformats.org/drawingml/2006/main" name="Office Theme">
+  <a:themeElements>
+    <a:clrScheme name="Office">
+      <a:dk1>
+        <a:sysClr val="windowText" lastClr="000000"/>
+      </a:dk1>
+      <a:lt1>
+        <a:sysClr val="window" lastClr="FFFFFF"/>
+      </a:lt1>
+      <a:dk2>
+        <a:srgbClr val="44546A"/>
+      </a:dk2>
+      <a:lt2>
+        <a:srgbClr val="E7E6E6"/>
+      </a:lt2>
+      <a:accent1>
+        <a:srgbClr val="4472C4"/>
+      </a:accent1>
+      <a:accent2>
+        <a:srgbClr val="ED7D31"/>
+      </a:accent2>
+      <a:accent3>
+        <a:srgbClr val="A5A5A5"/>
+      </a:accent3>
+      <a:accent4>
+        <a:srgbClr val="FFC000"/>
+      </a:accent4>
+      <a:accent5>
+        <a:srgbClr val="5B9BD5"/>
+      </a:accent5>
+      <a:accent6>
+        <a:srgbClr val="70AD47"/>
+      </a:accent6>
+      <a:hlink>
+        <a:srgbClr val="0563C1"/>
+      </a:hlink>
+      <a:folHlink>
+        <a:srgbClr val="954F72"/>
+      </a:folHlink>
+    </a:clrScheme>
+    <a:fontScheme name="Office">
+      <a:majorFont>
+        <a:latin typeface="Calibri Light" panose="020F0302020204030204"/>
+        <a:ea typeface=""/>
+        <a:cs typeface=""/>
+        <a:font script="Jpan" typeface="游ゴシック Light"/>
+        <a:font script="Hang" typeface="맑은 고딕"/>
+        <a:font script="Hans" typeface="等线 Light"/>
+        <a:font script="Hant" typeface="新細明體"/>
+        <a:font script="Arab" typeface="Times New Roman"/>
+        <a:font script="Hebr" typeface="Times New Roman"/>
+        <a:font script="Thai" typeface="Angsana New"/>
+        <a:font script="Ethi" typeface="Nyala"/>
+        <a:font script="Beng" typeface="Vrinda"/>
+        <a:font script="Gujr" typeface="Shruti"/>
+        <a:font script="Khmr" typeface="MoolBoran"/>
+        <a:font script="Knda" typeface="Tunga"/>
+        <a:font script="Guru" typeface="Raavi"/>
+        <a:font script="Cans" typeface="Euphemia"/>
+        <a:font script="Cher" typeface="Plantagenet Cherokee"/>
+        <a:font script="Yiii" typeface="Microsoft Yi Baiti"/>
+        <a:font script="Tibt" typeface="Microsoft Himalaya"/>
+        <a:font script="Thaa" typeface="MV Boli"/>
+        <a:font script="Deva" typeface="Mangal"/>
+        <a:font script="Telu" typeface="Gautami"/>
+        <a:font script="Taml" typeface="Latha"/>
+        <a:font script="Syrc" typeface="Estrangelo Edessa"/>
+        <a:font script="Orya" typeface="Kalinga"/>
+        <a:font script="Mlym" typeface="Kartika"/>
+        <a:font script="Laoo" typeface="DokChampa"/>
+        <a:font script="Sinh" typeface="Iskoola Pota"/>
+        <a:font script="Mong" typeface="Mongolian Baiti"/>
+        <a:font script="Viet" typeface="Times New Roman"/>
+        <a:font script="Uigh" typeface="Microsoft Uighur"/>
+        <a:font script="Geor" typeface="Sylfaen"/>
+        <a:font script="Armn" typeface="Arial"/>
+        <a:font script="Bugi" typeface="Leelawadee UI"/>
+        <a:font script="Bopo" typeface="Microsoft JhengHei"/>
+        <a:font script="Java" typeface="Javanese Text"/>
+        <a:font script="Lisu" typeface="Segoe UI"/>
+        <a:font script="Mymr" typeface="Myanmar Text"/>
+        <a:font script="Nkoo" typeface="Ebrima"/>
+        <a:font script="Olck" typeface="Nirmala UI"/>
+        <a:font script="Osma" typeface="Ebrima"/>
+        <a:font script="Phag" typeface="Phagspa"/>
+        <a:font script="Syrn" typeface="Estrangelo Edessa"/>
+        <a:font script="Syrj" typeface="Estrangelo Edessa"/>
+        <a:font script="Syre" typeface="Estrangelo Edessa"/>
+        <a:font script="Sora" typeface="Nirmala UI"/>
+        <a:font script="Tale" typeface="Microsoft Tai Le"/>
+        <a:font script="Talu" typeface="Microsoft New Tai Lue"/>
+        <a:font script="Tfng" typeface="Ebrima"/>
+      </a:majorFont>
+      <a:minorFont>
+        <a:latin typeface="Calibri" panose="020F0502020204030204"/>
+        <a:ea typeface=""/>
+        <a:cs typeface=""/>
+        <a:font script="Jpan" typeface="游ゴシック"/>
+        <a:font script="Hang" typeface="맑은 고딕"/>
+        <a:font script="Hans" typeface="等线"/>
+        <a:font script="Hant" typeface="新細明體"/>
+        <a:font script="Arab" typeface="Arial"/>
+        <a:font script="Hebr" typeface="Arial"/>
+        <a:font script="Thai" typeface="Cordia New"/>
+        <a:font script="Ethi" typeface="Nyala"/>
+        <a:font script="Beng" typeface="Vrinda"/>
+        <a:font script="Gujr" typeface="Shruti"/>
+        <a:font script="Khmr" typeface="DaunPenh"/>
+        <a:font script="Knda" typeface="Tunga"/>
+        <a:font script="Guru" typeface="Raavi"/>
+        <a:font script="Cans" typeface="Euphemia"/>
+        <a:font script="Cher" typeface="Plantagenet Cherokee"/>
+        <a:font script="Yiii" typeface="Microsoft Yi Baiti"/>
+        <a:font script="Tibt" typeface="Microsoft Himalaya"/>
+        <a:font script="Thaa" typeface="MV Boli"/>
+        <a:font script="Deva" typeface="Mangal"/>
+        <a:font script="Telu" typeface="Gautami"/>
+        <a:font script="Taml" typeface="Latha"/>
+        <a:font script="Syrc" typeface="Estrangelo Edessa"/>
+        <a:font script="Orya" typeface="Kalinga"/>
+        <a:font script="Mlym" typeface="Kartika"/>
+        <a:font script="Laoo" typeface="DokChampa"/>
+        <a:font script="Sinh" typeface="Iskoola Pota"/>
+        <a:font script="Mong" typeface="Mongolian Baiti"/>
+        <a:font script="Viet" typeface="Arial"/>
+        <a:font script="Uigh" typeface="Microsoft Uighur"/>
+        <a:font script="Geor" typeface="Sylfaen"/>
+        <a:font script="Armn" typeface="Arial"/>
+        <a:font script="Bugi" typeface="Leelawadee UI"/>
+        <a:font script="Bopo" typeface="Microsoft JhengHei"/>
+        <a:font script="Java" typeface="Javanese Text"/>
+        <a:font script="Lisu" typeface="Segoe UI"/>
+        <a:font script="Mymr" typeface="Myanmar Text"/>
+        <a:font script="Nkoo" typeface="Ebrima"/>
+        <a:font script="Olck" typeface="Nirmala UI"/>
+        <a:font script="Osma" typeface="Ebrima"/>
+        <a:font script="Phag" typeface="Phagspa"/>
+        <a:font script="Syrn" typeface="Estrangelo Edessa"/>
+        <a:font script="Syrj" typeface="Estrangelo Edessa"/>
+        <a:font script="Syre" typeface="Estrangelo Edessa"/>
+        <a:font script="Sora" typeface="Nirmala UI"/>
+        <a:font script="Tale" typeface="Microsoft Tai Le"/>
+        <a:font script="Talu" typeface="Microsoft New Tai Lue"/>
+        <a:font script="Tfng" typeface="Ebrima"/>
+      </a:minorFont>
+    </a:fontScheme>
+    <a:fmtScheme name="Office">
+      <a:fillStyleLst>
+        <a:solidFill>
+          <a:schemeClr val="phClr"/>
+        </a:solidFill>
+        <a:gradFill rotWithShape="1">
+          <a:gsLst>
+            <a:gs pos="0">
+              <a:schemeClr val="phClr">
+                <a:lumMod val="110000"/>
+                <a:satMod val="105000"/>
+                <a:tint val="67000"/>
+              </a:schemeClr>
+            </a:gs>
+            <a:gs pos="50000">
+              <a:schemeClr val="phClr">
+                <a:lumMod val="105000"/>
+                <a:satMod val="103000"/>
+                <a:tint val="73000"/>
+              </a:schemeClr>
+            </a:gs>
+            <a:gs pos="100000">
+              <a:schemeClr val="phClr">
+                <a:lumMod val="105000"/>
+                <a:satMod val="109000"/>
+                <a:tint val="81000"/>
+              </a:schemeClr>
+            </a:gs>
+          </a:gsLst>
+          <a:lin ang="5400000" scaled="0"/>
+        </a:gradFill>
+        <a:gradFill rotWithShape="1">
+          <a:gsLst>
+            <a:gs pos="0">
+              <a:schemeClr val="phClr">
+                <a:satMod val="103000"/>
+                <a:lumMod val="102000"/>
+                <a:tint val="94000"/>
+              </a:schemeClr>
+            </a:gs>
+            <a:gs pos="50000">
+              <a:schemeClr val="phClr">
+                <a:satMod val="110000"/>
+                <a:lumMod val="100000"/>
+                <a:shade val="100000"/>
+              </a:schemeClr>
+            </a:gs>
+            <a:gs pos="100000">
+              <a:schemeClr val="phClr">
+                <a:lumMod val="99000"/>
+                <a:satMod val="120000"/>
+                <a:shade val="78000"/>
+              </a:schemeClr>
+            </a:gs>
+          </a:gsLst>
+          <a:lin ang="5400000" scaled="0"/>
+        </a:gradFill>
+      </a:fillStyleLst>
+      <a:lnStyleLst>
+        <a:ln w="6350" cap="flat" cmpd="sng" algn="ctr">
+          <a:solidFill>
+            <a:schemeClr val="phClr"/>
+          </a:solidFill>
+          <a:prstDash val="solid"/>
+          <a:miter lim="800000"/>
+        </a:ln>
+        <a:ln w="12700" cap="flat" cmpd="sng" algn="ctr">
+          <a:solidFill>
+            <a:schemeClr val="phClr"/>
+          </a:solidFill>
+          <a:prstDash val="solid"/>
+          <a:miter lim="800000"/>
+        </a:ln>
+        <a:ln w="19050" cap="flat" cmpd="sng" algn="ctr">
+          <a:solidFill>
+            <a:schemeClr val="phClr"/>
+          </a:solidFill>
+          <a:prstDash val="solid"/>
+          <a:miter lim="800000"/>
+        </a:ln>
+      </a:lnStyleLst>
+      <a:effectStyleLst>
+        <a:effectStyle>
+          <a:effectLst/>
+        </a:effectStyle>
+        <a:effectStyle>
+          <a:effectLst/>
+        </a:effectStyle>
+        <a:effectStyle>
+          <a:effectLst>
+            <a:outerShdw blurRad="57150" dist="19050" dir="5400000" algn="ctr" rotWithShape="0">
+              <a:srgbClr val="000000">
+                <a:alpha val="63000"/>
+              </a:srgbClr>
+            </a:outerShdw>
+          </a:effectLst>
+        </a:effectStyle>
+      </a:effectStyleLst>
+      <a:bgFillStyleLst>
+        <a:solidFill>
+          <a:schemeClr val="phClr"/>
+        </a:solidFill>
+        <a:solidFill>
+          <a:schemeClr val="phClr">
+            <a:tint val="95000"/>
+            <a:satMod val="170000"/>
+          </a:schemeClr>
+        </a:solidFill>
+        <a:gradFill rotWithShape="1">
+          <a:gsLst>
+            <a:gs pos="0">
+              <a:schemeClr val="phClr">
+                <a:tint val="93000"/>
+                <a:satMod val="150000"/>
+                <a:shade val="98000"/>
+                <a:lumMod val="102000"/>
+              </a:schemeClr>
+            </a:gs>
+            <a:gs pos="50000">
+              <a:schemeClr val="phClr">
+                <a:tint val="98000"/>
+                <a:satMod val="130000"/>
+                <a:shade val="90000"/>
+                <a:lumMod val="103000"/>
+              </a:schemeClr>
+            </a:gs>
+            <a:gs pos="100000">
+              <a:schemeClr val="phClr">
+                <a:shade val="63000"/>
+                <a:satMod val="120000"/>
+              </a:schemeClr>
+            </a:gs>
+          </a:gsLst>
+          <a:lin ang="5400000" scaled="0"/>
+        </a:gradFill>
+      </a:bgFillStyleLst>
+    </a:fmtScheme>
+  </a:themeElements>
+  <a:objectDefaults/>
+  <a:extraClrSchemeLst/>
+  <a:extLst>
+    <a:ext uri="{05A4C25C-085E-4340-85A3-A5531E510DB2}">
+      <thm15:themeFamily xmlns:thm15="http://schemas.microsoft.com/office/thememl/2012/main" name="Office Theme" id="{62F939B6-93AF-4DB8-9C6B-D6C7DFDC589F}" vid="{4A3C46E8-61CC-4603-A589-7422A47A8E4A}"/>
+    </a:ext>
+  </a:extLst>
+</a:theme>
 </file>